--- a/how to become a successful team leader/sukses menjadi tim leader.pptx
+++ b/how to become a successful team leader/sukses menjadi tim leader.pptx
@@ -3159,13 +3159,13 @@
               <a:rPr b="0" lang="en-US" sz="4400" spc="-1" strike="noStrike">
                 <a:latin typeface="Arial"/>
               </a:rPr>
-              <a:t>Click to edit the </a:t>
+              <a:t>Click to edit the title text </a:t>
             </a:r>
             <a:r>
               <a:rPr b="0" lang="en-US" sz="4400" spc="-1" strike="noStrike">
                 <a:latin typeface="Arial"/>
               </a:rPr>
-              <a:t>title text format</a:t>
+              <a:t>format</a:t>
             </a:r>
             <a:endParaRPr b="0" lang="en-US" sz="4400" spc="-1" strike="noStrike">
               <a:latin typeface="Arial"/>
@@ -3436,13 +3436,25 @@
               <a:rPr b="0" lang="en-US" sz="4400" spc="-1" strike="noStrike">
                 <a:latin typeface="Arial"/>
               </a:rPr>
-              <a:t>Click to edit the </a:t>
+              <a:t>Click to </a:t>
             </a:r>
             <a:r>
               <a:rPr b="0" lang="en-US" sz="4400" spc="-1" strike="noStrike">
                 <a:latin typeface="Arial"/>
               </a:rPr>
-              <a:t>title text format</a:t>
+              <a:t>edit the </a:t>
+            </a:r>
+            <a:r>
+              <a:rPr b="0" lang="en-US" sz="4400" spc="-1" strike="noStrike">
+                <a:latin typeface="Arial"/>
+              </a:rPr>
+              <a:t>title text </a:t>
+            </a:r>
+            <a:r>
+              <a:rPr b="0" lang="en-US" sz="4400" spc="-1" strike="noStrike">
+                <a:latin typeface="Arial"/>
+              </a:rPr>
+              <a:t>format</a:t>
             </a:r>
             <a:endParaRPr b="0" lang="en-US" sz="4400" spc="-1" strike="noStrike">
               <a:latin typeface="Arial"/>
@@ -3683,7 +3695,7 @@
         <p:spPr>
           <a:xfrm>
             <a:off x="3515400" y="2132640"/>
-            <a:ext cx="2656800" cy="1229040"/>
+            <a:ext cx="2656440" cy="1228680"/>
           </a:xfrm>
           <a:prstGeom prst="rect">
             <a:avLst/>
@@ -3736,7 +3748,7 @@
         <p:spPr>
           <a:xfrm>
             <a:off x="3515400" y="2132640"/>
-            <a:ext cx="2656800" cy="1229040"/>
+            <a:ext cx="2656440" cy="1228680"/>
           </a:xfrm>
           <a:prstGeom prst="rect">
             <a:avLst/>
@@ -3785,7 +3797,7 @@
         <p:spPr>
           <a:xfrm>
             <a:off x="1251000" y="1828800"/>
-            <a:ext cx="7920000" cy="938160"/>
+            <a:ext cx="7919640" cy="937800"/>
           </a:xfrm>
           <a:prstGeom prst="rect">
             <a:avLst/>
@@ -3841,7 +3853,7 @@
         <p:spPr>
           <a:xfrm>
             <a:off x="8229600" y="4705920"/>
-            <a:ext cx="1179360" cy="543240"/>
+            <a:ext cx="1179000" cy="542880"/>
           </a:xfrm>
           <a:prstGeom prst="rect">
             <a:avLst/>
@@ -3860,7 +3872,7 @@
         <p:spPr>
           <a:xfrm>
             <a:off x="1143000" y="4800600"/>
-            <a:ext cx="2742120" cy="285840"/>
+            <a:ext cx="2741760" cy="285480"/>
           </a:xfrm>
           <a:prstGeom prst="rect">
             <a:avLst/>
@@ -3926,13 +3938,13 @@
       <p:sp>
         <p:nvSpPr>
           <p:cNvPr id="108" name=""/>
-          <p:cNvSpPr txBox="1"/>
+          <p:cNvSpPr/>
           <p:nvPr/>
         </p:nvSpPr>
         <p:spPr>
           <a:xfrm>
             <a:off x="3393000" y="2622600"/>
-            <a:ext cx="3411720" cy="346320"/>
+            <a:ext cx="3411360" cy="345960"/>
           </a:xfrm>
           <a:prstGeom prst="rect">
             <a:avLst/>
@@ -3942,11 +3954,23 @@
             <a:noFill/>
           </a:ln>
         </p:spPr>
+        <p:style>
+          <a:lnRef idx="0"/>
+          <a:fillRef idx="0"/>
+          <a:effectRef idx="0"/>
+          <a:fontRef idx="minor"/>
+        </p:style>
         <p:txBody>
           <a:bodyPr lIns="90000" rIns="90000" tIns="45000" bIns="45000" anchor="t">
             <a:noAutofit/>
           </a:bodyPr>
           <a:p>
+            <a:pPr>
+              <a:lnSpc>
+                <a:spcPct val="100000"/>
+              </a:lnSpc>
+              <a:buNone/>
+            </a:pPr>
             <a:r>
               <a:rPr b="0" lang="en-US" sz="1800" spc="-1" strike="noStrike">
                 <a:latin typeface="Arial"/>
@@ -4120,7 +4144,7 @@
         <p:spPr>
           <a:xfrm>
             <a:off x="8224920" y="4559400"/>
-            <a:ext cx="1179360" cy="543240"/>
+            <a:ext cx="1179000" cy="542880"/>
           </a:xfrm>
           <a:prstGeom prst="rect">
             <a:avLst/>
@@ -4139,7 +4163,7 @@
         <p:spPr>
           <a:xfrm>
             <a:off x="1631160" y="842400"/>
-            <a:ext cx="5260680" cy="343800"/>
+            <a:ext cx="5260320" cy="343440"/>
           </a:xfrm>
           <a:prstGeom prst="rect">
             <a:avLst/>
@@ -4191,7 +4215,7 @@
         <p:spPr>
           <a:xfrm>
             <a:off x="1631160" y="1410480"/>
-            <a:ext cx="6870240" cy="343800"/>
+            <a:ext cx="6869880" cy="343440"/>
           </a:xfrm>
           <a:prstGeom prst="rect">
             <a:avLst/>
@@ -4243,7 +4267,7 @@
         <p:spPr>
           <a:xfrm>
             <a:off x="5852160" y="2854080"/>
-            <a:ext cx="3101400" cy="984960"/>
+            <a:ext cx="3101040" cy="984600"/>
           </a:xfrm>
           <a:prstGeom prst="rect">
             <a:avLst/>
@@ -4336,7 +4360,7 @@
         <p:spPr>
           <a:xfrm>
             <a:off x="942480" y="3586680"/>
-            <a:ext cx="2942640" cy="343800"/>
+            <a:ext cx="2942280" cy="343440"/>
           </a:xfrm>
           <a:prstGeom prst="rect">
             <a:avLst/>
@@ -4388,7 +4412,7 @@
         <p:spPr>
           <a:xfrm>
             <a:off x="914400" y="3943800"/>
-            <a:ext cx="2069280" cy="855720"/>
+            <a:ext cx="2068920" cy="855360"/>
           </a:xfrm>
           <a:prstGeom prst="rect">
             <a:avLst/>
@@ -4482,7 +4506,7 @@
         <p:spPr>
           <a:xfrm>
             <a:off x="704880" y="2194560"/>
-            <a:ext cx="2585520" cy="657360"/>
+            <a:ext cx="2585160" cy="657000"/>
           </a:xfrm>
           <a:prstGeom prst="rect">
             <a:avLst/>
@@ -4863,7 +4887,7 @@
         <p:spPr>
           <a:xfrm>
             <a:off x="8192160" y="4713480"/>
-            <a:ext cx="1179360" cy="543240"/>
+            <a:ext cx="1179000" cy="542880"/>
           </a:xfrm>
           <a:prstGeom prst="rect">
             <a:avLst/>
@@ -4882,7 +4906,7 @@
         <p:spPr>
           <a:xfrm>
             <a:off x="1631160" y="842400"/>
-            <a:ext cx="6518160" cy="343800"/>
+            <a:ext cx="6517800" cy="343440"/>
           </a:xfrm>
           <a:prstGeom prst="rect">
             <a:avLst/>
@@ -4934,7 +4958,7 @@
         <p:spPr>
           <a:xfrm>
             <a:off x="1631160" y="1755360"/>
-            <a:ext cx="3625560" cy="343800"/>
+            <a:ext cx="3625200" cy="343440"/>
           </a:xfrm>
           <a:prstGeom prst="rect">
             <a:avLst/>
@@ -4986,7 +5010,7 @@
         <p:spPr>
           <a:xfrm>
             <a:off x="1600200" y="2514600"/>
-            <a:ext cx="6211800" cy="684720"/>
+            <a:ext cx="6211440" cy="684360"/>
           </a:xfrm>
           <a:prstGeom prst="rect">
             <a:avLst/>
@@ -5049,7 +5073,7 @@
         <p:spPr>
           <a:xfrm>
             <a:off x="1598760" y="2514600"/>
-            <a:ext cx="6213240" cy="601200"/>
+            <a:ext cx="6212880" cy="600840"/>
           </a:xfrm>
           <a:prstGeom prst="rect">
             <a:avLst/>
@@ -5112,7 +5136,7 @@
         <p:spPr>
           <a:xfrm>
             <a:off x="1600200" y="2514600"/>
-            <a:ext cx="4629600" cy="345240"/>
+            <a:ext cx="4629240" cy="344880"/>
           </a:xfrm>
           <a:prstGeom prst="rect">
             <a:avLst/>
@@ -5164,7 +5188,7 @@
         <p:spPr>
           <a:xfrm>
             <a:off x="1600200" y="2514600"/>
-            <a:ext cx="3588840" cy="345240"/>
+            <a:ext cx="3588480" cy="344880"/>
           </a:xfrm>
           <a:prstGeom prst="rect">
             <a:avLst/>
@@ -5216,7 +5240,7 @@
         <p:spPr>
           <a:xfrm>
             <a:off x="1620720" y="2514600"/>
-            <a:ext cx="4779000" cy="345240"/>
+            <a:ext cx="4778640" cy="344880"/>
           </a:xfrm>
           <a:prstGeom prst="rect">
             <a:avLst/>
@@ -5268,7 +5292,7 @@
         <p:spPr>
           <a:xfrm>
             <a:off x="1620720" y="2514600"/>
-            <a:ext cx="1472040" cy="345240"/>
+            <a:ext cx="1471680" cy="344880"/>
           </a:xfrm>
           <a:prstGeom prst="rect">
             <a:avLst/>
@@ -5320,7 +5344,7 @@
         <p:spPr>
           <a:xfrm>
             <a:off x="1620720" y="2514600"/>
-            <a:ext cx="2930400" cy="345240"/>
+            <a:ext cx="2930040" cy="344880"/>
           </a:xfrm>
           <a:prstGeom prst="rect">
             <a:avLst/>
@@ -5372,7 +5396,7 @@
         <p:spPr>
           <a:xfrm>
             <a:off x="1641960" y="2514600"/>
-            <a:ext cx="3157560" cy="345240"/>
+            <a:ext cx="3157200" cy="344880"/>
           </a:xfrm>
           <a:prstGeom prst="rect">
             <a:avLst/>
@@ -5424,7 +5448,7 @@
         <p:spPr>
           <a:xfrm>
             <a:off x="1620720" y="2514600"/>
-            <a:ext cx="3120840" cy="345240"/>
+            <a:ext cx="3120480" cy="344880"/>
           </a:xfrm>
           <a:prstGeom prst="rect">
             <a:avLst/>
@@ -5476,7 +5500,7 @@
         <p:spPr>
           <a:xfrm>
             <a:off x="1600200" y="2514240"/>
-            <a:ext cx="2956320" cy="601560"/>
+            <a:ext cx="2955960" cy="601200"/>
           </a:xfrm>
           <a:prstGeom prst="rect">
             <a:avLst/>
@@ -5528,7 +5552,7 @@
         <p:spPr>
           <a:xfrm>
             <a:off x="1143000" y="4800600"/>
-            <a:ext cx="2742120" cy="285840"/>
+            <a:ext cx="2741760" cy="285480"/>
           </a:xfrm>
           <a:prstGeom prst="rect">
             <a:avLst/>
@@ -6636,7 +6660,7 @@
         <p:spPr>
           <a:xfrm>
             <a:off x="3515400" y="2132640"/>
-            <a:ext cx="2656800" cy="1229040"/>
+            <a:ext cx="2656440" cy="1228680"/>
           </a:xfrm>
           <a:prstGeom prst="rect">
             <a:avLst/>
@@ -6685,7 +6709,7 @@
         <p:spPr>
           <a:xfrm>
             <a:off x="1143000" y="1854000"/>
-            <a:ext cx="7920000" cy="938160"/>
+            <a:ext cx="7919640" cy="937800"/>
           </a:xfrm>
           <a:prstGeom prst="rect">
             <a:avLst/>
@@ -6741,7 +6765,7 @@
         <p:spPr>
           <a:xfrm>
             <a:off x="8229600" y="4705920"/>
-            <a:ext cx="1179360" cy="543240"/>
+            <a:ext cx="1179000" cy="542880"/>
           </a:xfrm>
           <a:prstGeom prst="rect">
             <a:avLst/>
@@ -6760,7 +6784,7 @@
         <p:spPr>
           <a:xfrm>
             <a:off x="1143000" y="4800600"/>
-            <a:ext cx="2742120" cy="285840"/>
+            <a:ext cx="2741760" cy="285480"/>
           </a:xfrm>
           <a:prstGeom prst="rect">
             <a:avLst/>
@@ -6826,13 +6850,13 @@
       <p:sp>
         <p:nvSpPr>
           <p:cNvPr id="134" name=""/>
-          <p:cNvSpPr txBox="1"/>
+          <p:cNvSpPr/>
           <p:nvPr/>
         </p:nvSpPr>
         <p:spPr>
           <a:xfrm>
             <a:off x="3621600" y="2585160"/>
-            <a:ext cx="3119040" cy="346320"/>
+            <a:ext cx="3118680" cy="345960"/>
           </a:xfrm>
           <a:prstGeom prst="rect">
             <a:avLst/>
@@ -6842,11 +6866,23 @@
             <a:noFill/>
           </a:ln>
         </p:spPr>
+        <p:style>
+          <a:lnRef idx="0"/>
+          <a:fillRef idx="0"/>
+          <a:effectRef idx="0"/>
+          <a:fontRef idx="minor"/>
+        </p:style>
         <p:txBody>
           <a:bodyPr lIns="90000" rIns="90000" tIns="45000" bIns="45000" anchor="t">
             <a:noAutofit/>
           </a:bodyPr>
           <a:p>
+            <a:pPr>
+              <a:lnSpc>
+                <a:spcPct val="100000"/>
+              </a:lnSpc>
+              <a:buNone/>
+            </a:pPr>
             <a:r>
               <a:rPr b="0" lang="en-US" sz="1800" spc="-1" strike="noStrike">
                 <a:latin typeface="Arial"/>
@@ -7020,7 +7056,7 @@
         <p:spPr>
           <a:xfrm>
             <a:off x="8229600" y="4705920"/>
-            <a:ext cx="1179360" cy="543240"/>
+            <a:ext cx="1179000" cy="542880"/>
           </a:xfrm>
           <a:prstGeom prst="rect">
             <a:avLst/>
@@ -7039,7 +7075,7 @@
         <p:spPr>
           <a:xfrm>
             <a:off x="3164400" y="2365560"/>
-            <a:ext cx="4106160" cy="448560"/>
+            <a:ext cx="4105800" cy="448200"/>
           </a:xfrm>
           <a:custGeom>
             <a:avLst/>
@@ -7193,7 +7229,7 @@
         <p:spPr>
           <a:xfrm>
             <a:off x="3164400" y="2894760"/>
-            <a:ext cx="4106160" cy="448560"/>
+            <a:ext cx="4105800" cy="448200"/>
           </a:xfrm>
           <a:custGeom>
             <a:avLst/>
@@ -7347,7 +7383,7 @@
         <p:spPr>
           <a:xfrm>
             <a:off x="3164400" y="3436560"/>
-            <a:ext cx="4106160" cy="448560"/>
+            <a:ext cx="4105800" cy="448200"/>
           </a:xfrm>
           <a:custGeom>
             <a:avLst/>
@@ -7501,7 +7537,7 @@
         <p:spPr>
           <a:xfrm>
             <a:off x="1143000" y="4800600"/>
-            <a:ext cx="2970720" cy="285840"/>
+            <a:ext cx="2970360" cy="285480"/>
           </a:xfrm>
           <a:prstGeom prst="rect">
             <a:avLst/>
@@ -7573,7 +7609,7 @@
         <p:spPr>
           <a:xfrm>
             <a:off x="1474200" y="1371600"/>
-            <a:ext cx="6754320" cy="343800"/>
+            <a:ext cx="6753960" cy="343440"/>
           </a:xfrm>
           <a:prstGeom prst="rect">
             <a:avLst/>
@@ -7848,7 +7884,7 @@
         <p:spPr>
           <a:xfrm>
             <a:off x="3515400" y="2132640"/>
-            <a:ext cx="2656800" cy="1229040"/>
+            <a:ext cx="2656440" cy="1228680"/>
           </a:xfrm>
           <a:prstGeom prst="rect">
             <a:avLst/>
@@ -7897,7 +7933,7 @@
         <p:spPr>
           <a:xfrm>
             <a:off x="1224000" y="1805040"/>
-            <a:ext cx="7920000" cy="938160"/>
+            <a:ext cx="7919640" cy="937800"/>
           </a:xfrm>
           <a:prstGeom prst="rect">
             <a:avLst/>
@@ -7974,7 +8010,7 @@
         <p:spPr>
           <a:xfrm>
             <a:off x="8193240" y="4485960"/>
-            <a:ext cx="1179360" cy="543240"/>
+            <a:ext cx="1179000" cy="542880"/>
           </a:xfrm>
           <a:prstGeom prst="rect">
             <a:avLst/>
@@ -7993,7 +8029,7 @@
         <p:spPr>
           <a:xfrm>
             <a:off x="914400" y="4800600"/>
-            <a:ext cx="2971800" cy="285840"/>
+            <a:ext cx="2971440" cy="285480"/>
           </a:xfrm>
           <a:prstGeom prst="rect">
             <a:avLst/>
@@ -8059,13 +8095,13 @@
       <p:sp>
         <p:nvSpPr>
           <p:cNvPr id="145" name=""/>
-          <p:cNvSpPr txBox="1"/>
+          <p:cNvSpPr/>
           <p:nvPr/>
         </p:nvSpPr>
         <p:spPr>
           <a:xfrm>
             <a:off x="3177000" y="2782080"/>
-            <a:ext cx="4150800" cy="602280"/>
+            <a:ext cx="4150440" cy="601920"/>
           </a:xfrm>
           <a:prstGeom prst="rect">
             <a:avLst/>
@@ -8075,11 +8111,23 @@
             <a:noFill/>
           </a:ln>
         </p:spPr>
+        <p:style>
+          <a:lnRef idx="0"/>
+          <a:fillRef idx="0"/>
+          <a:effectRef idx="0"/>
+          <a:fontRef idx="minor"/>
+        </p:style>
         <p:txBody>
           <a:bodyPr lIns="90000" rIns="90000" tIns="45000" bIns="45000" anchor="t">
             <a:noAutofit/>
           </a:bodyPr>
           <a:p>
+            <a:pPr>
+              <a:lnSpc>
+                <a:spcPct val="100000"/>
+              </a:lnSpc>
+              <a:buNone/>
+            </a:pPr>
             <a:r>
               <a:rPr b="0" lang="en-US" sz="1800" spc="-1" strike="noStrike">
                 <a:latin typeface="Arial"/>
@@ -8243,13 +8291,13 @@
       <p:sp>
         <p:nvSpPr>
           <p:cNvPr id="146" name=""/>
-          <p:cNvSpPr txBox="1"/>
+          <p:cNvSpPr/>
           <p:nvPr/>
         </p:nvSpPr>
         <p:spPr>
           <a:xfrm>
             <a:off x="4338000" y="2057400"/>
-            <a:ext cx="1713960" cy="346320"/>
+            <a:ext cx="1713600" cy="345960"/>
           </a:xfrm>
           <a:prstGeom prst="rect">
             <a:avLst/>
@@ -8259,88 +8307,28 @@
             <a:noFill/>
           </a:ln>
         </p:spPr>
+        <p:style>
+          <a:lnRef idx="0"/>
+          <a:fillRef idx="0"/>
+          <a:effectRef idx="0"/>
+          <a:fontRef idx="minor"/>
+        </p:style>
         <p:txBody>
           <a:bodyPr lIns="90000" rIns="90000" tIns="45000" bIns="45000" anchor="t">
             <a:noAutofit/>
           </a:bodyPr>
           <a:p>
+            <a:pPr>
+              <a:lnSpc>
+                <a:spcPct val="100000"/>
+              </a:lnSpc>
+              <a:buNone/>
+            </a:pPr>
             <a:r>
               <a:rPr b="0" lang="en-US" sz="1800" spc="-1" strike="noStrike">
                 <a:latin typeface="Arial"/>
               </a:rPr>
-              <a:t>S</a:t>
-            </a:r>
-            <a:r>
-              <a:rPr b="0" lang="en-US" sz="1800" spc="-1" strike="noStrike">
-                <a:latin typeface="Arial"/>
-              </a:rPr>
-              <a:t>i</a:t>
-            </a:r>
-            <a:r>
-              <a:rPr b="0" lang="en-US" sz="1800" spc="-1" strike="noStrike">
-                <a:latin typeface="Arial"/>
-              </a:rPr>
-              <a:t>a</a:t>
-            </a:r>
-            <a:r>
-              <a:rPr b="0" lang="en-US" sz="1800" spc="-1" strike="noStrike">
-                <a:latin typeface="Arial"/>
-              </a:rPr>
-              <a:t>p</a:t>
-            </a:r>
-            <a:r>
-              <a:rPr b="0" lang="en-US" sz="1800" spc="-1" strike="noStrike">
-                <a:latin typeface="Arial"/>
-              </a:rPr>
-              <a:t>a</a:t>
-            </a:r>
-            <a:r>
-              <a:rPr b="0" lang="en-US" sz="1800" spc="-1" strike="noStrike">
-                <a:latin typeface="Arial"/>
-              </a:rPr>
-              <a:t> </a:t>
-            </a:r>
-            <a:r>
-              <a:rPr b="0" lang="en-US" sz="1800" spc="-1" strike="noStrike">
-                <a:latin typeface="Arial"/>
-              </a:rPr>
-              <a:t>m</a:t>
-            </a:r>
-            <a:r>
-              <a:rPr b="0" lang="en-US" sz="1800" spc="-1" strike="noStrike">
-                <a:latin typeface="Arial"/>
-              </a:rPr>
-              <a:t>e</a:t>
-            </a:r>
-            <a:r>
-              <a:rPr b="0" lang="en-US" sz="1800" spc="-1" strike="noStrike">
-                <a:latin typeface="Arial"/>
-              </a:rPr>
-              <a:t>r</a:t>
-            </a:r>
-            <a:r>
-              <a:rPr b="0" lang="en-US" sz="1800" spc="-1" strike="noStrike">
-                <a:latin typeface="Arial"/>
-              </a:rPr>
-              <a:t>e</a:t>
-            </a:r>
-            <a:r>
-              <a:rPr b="0" lang="en-US" sz="1800" spc="-1" strike="noStrike">
-                <a:latin typeface="Arial"/>
-              </a:rPr>
-              <a:t>k</a:t>
-            </a:r>
-            <a:r>
-              <a:rPr b="0" lang="en-US" sz="1800" spc="-1" strike="noStrike">
-                <a:latin typeface="Arial"/>
-              </a:rPr>
-              <a:t>a</a:t>
-            </a:r>
-            <a:r>
-              <a:rPr b="0" lang="en-US" sz="1800" spc="-1" strike="noStrike">
-                <a:latin typeface="Arial"/>
-              </a:rPr>
-              <a:t>?</a:t>
+              <a:t>Siapa mereka?</a:t>
             </a:r>
             <a:endParaRPr b="0" lang="en-US" sz="1800" spc="-1" strike="noStrike">
               <a:latin typeface="Arial"/>
@@ -8351,13 +8339,13 @@
       <p:sp>
         <p:nvSpPr>
           <p:cNvPr id="147" name=""/>
-          <p:cNvSpPr txBox="1"/>
+          <p:cNvSpPr/>
           <p:nvPr/>
         </p:nvSpPr>
         <p:spPr>
           <a:xfrm>
             <a:off x="4343400" y="2481120"/>
-            <a:ext cx="1689480" cy="346320"/>
+            <a:ext cx="1689120" cy="345960"/>
           </a:xfrm>
           <a:prstGeom prst="rect">
             <a:avLst/>
@@ -8367,11 +8355,23 @@
             <a:noFill/>
           </a:ln>
         </p:spPr>
+        <p:style>
+          <a:lnRef idx="0"/>
+          <a:fillRef idx="0"/>
+          <a:effectRef idx="0"/>
+          <a:fontRef idx="minor"/>
+        </p:style>
         <p:txBody>
           <a:bodyPr lIns="90000" rIns="90000" tIns="45000" bIns="45000" anchor="t">
             <a:noAutofit/>
           </a:bodyPr>
           <a:p>
+            <a:pPr>
+              <a:lnSpc>
+                <a:spcPct val="100000"/>
+              </a:lnSpc>
+              <a:buNone/>
+            </a:pPr>
             <a:r>
               <a:rPr b="0" lang="en-US" sz="1800" spc="-1" strike="noStrike">
                 <a:latin typeface="Arial"/>
@@ -8387,13 +8387,13 @@
       <p:sp>
         <p:nvSpPr>
           <p:cNvPr id="148" name=""/>
-          <p:cNvSpPr txBox="1"/>
+          <p:cNvSpPr/>
           <p:nvPr/>
         </p:nvSpPr>
         <p:spPr>
           <a:xfrm>
             <a:off x="4203720" y="2938320"/>
-            <a:ext cx="1968480" cy="346320"/>
+            <a:ext cx="1968120" cy="345960"/>
           </a:xfrm>
           <a:prstGeom prst="rect">
             <a:avLst/>
@@ -8403,22 +8403,28 @@
             <a:noFill/>
           </a:ln>
         </p:spPr>
+        <p:style>
+          <a:lnRef idx="0"/>
+          <a:fillRef idx="0"/>
+          <a:effectRef idx="0"/>
+          <a:fontRef idx="minor"/>
+        </p:style>
         <p:txBody>
           <a:bodyPr lIns="90000" rIns="90000" tIns="45000" bIns="45000" anchor="t">
             <a:noAutofit/>
           </a:bodyPr>
           <a:p>
+            <a:pPr>
+              <a:lnSpc>
+                <a:spcPct val="100000"/>
+              </a:lnSpc>
+              <a:buNone/>
+            </a:pPr>
             <a:r>
               <a:rPr b="0" lang="en-US" sz="1800" spc="-1" strike="noStrike">
                 <a:latin typeface="Arial"/>
               </a:rPr>
-              <a:t>Motivasi </a:t>
-            </a:r>
-            <a:r>
-              <a:rPr b="0" lang="en-US" sz="1800" spc="-1" strike="noStrike">
-                <a:latin typeface="Arial"/>
-              </a:rPr>
-              <a:t>mereka?</a:t>
+              <a:t>Motivasi mereka?</a:t>
             </a:r>
             <a:endParaRPr b="0" lang="en-US" sz="1800" spc="-1" strike="noStrike">
               <a:latin typeface="Arial"/>
@@ -8439,7 +8445,7 @@
         <p:spPr>
           <a:xfrm>
             <a:off x="8193240" y="4485960"/>
-            <a:ext cx="1179360" cy="543240"/>
+            <a:ext cx="1179000" cy="542880"/>
           </a:xfrm>
           <a:prstGeom prst="rect">
             <a:avLst/>
@@ -8458,7 +8464,7 @@
         <p:spPr>
           <a:xfrm>
             <a:off x="914400" y="4800600"/>
-            <a:ext cx="2971800" cy="285840"/>
+            <a:ext cx="2971440" cy="285480"/>
           </a:xfrm>
           <a:prstGeom prst="rect">
             <a:avLst/>
@@ -8788,7 +8794,7 @@
         <p:spPr>
           <a:xfrm>
             <a:off x="529560" y="457200"/>
-            <a:ext cx="9063000" cy="4435560"/>
+            <a:ext cx="9062640" cy="4435200"/>
           </a:xfrm>
           <a:prstGeom prst="rect">
             <a:avLst/>
@@ -8865,7 +8871,7 @@
         <p:spPr>
           <a:xfrm>
             <a:off x="4343400" y="4020120"/>
-            <a:ext cx="1179360" cy="543240"/>
+            <a:ext cx="1179000" cy="542880"/>
           </a:xfrm>
           <a:prstGeom prst="rect">
             <a:avLst/>
@@ -9114,7 +9120,7 @@
         <p:spPr>
           <a:xfrm>
             <a:off x="8229600" y="4705920"/>
-            <a:ext cx="1179360" cy="543240"/>
+            <a:ext cx="1179000" cy="542880"/>
           </a:xfrm>
           <a:prstGeom prst="rect">
             <a:avLst/>
@@ -9133,7 +9139,7 @@
         <p:spPr>
           <a:xfrm>
             <a:off x="876240" y="4971960"/>
-            <a:ext cx="3009960" cy="285840"/>
+            <a:ext cx="3009600" cy="285480"/>
           </a:xfrm>
           <a:prstGeom prst="rect">
             <a:avLst/>
@@ -9199,13 +9205,13 @@
       <p:sp>
         <p:nvSpPr>
           <p:cNvPr id="153" name=""/>
-          <p:cNvSpPr txBox="1"/>
+          <p:cNvSpPr/>
           <p:nvPr/>
         </p:nvSpPr>
         <p:spPr>
           <a:xfrm>
             <a:off x="2514600" y="1988280"/>
-            <a:ext cx="5048280" cy="346320"/>
+            <a:ext cx="5047920" cy="345960"/>
           </a:xfrm>
           <a:prstGeom prst="rect">
             <a:avLst/>
@@ -9215,38 +9221,29 @@
             <a:noFill/>
           </a:ln>
         </p:spPr>
+        <p:style>
+          <a:lnRef idx="0"/>
+          <a:fillRef idx="0"/>
+          <a:effectRef idx="0"/>
+          <a:fontRef idx="minor"/>
+        </p:style>
         <p:txBody>
           <a:bodyPr lIns="90000" rIns="90000" tIns="45000" bIns="45000" anchor="t">
             <a:noAutofit/>
           </a:bodyPr>
           <a:p>
+            <a:pPr>
+              <a:lnSpc>
+                <a:spcPct val="100000"/>
+              </a:lnSpc>
+              <a:buNone/>
+            </a:pPr>
             <a:r>
               <a:rPr b="0" lang="en-US" sz="1800" spc="-1" strike="noStrike">
                 <a:latin typeface="Arial"/>
                 <a:ea typeface="Noto Sans CJK SC"/>
               </a:rPr>
-              <a:t>Singkatnya, </a:t>
-            </a:r>
-            <a:r>
-              <a:rPr b="0" lang="en-US" sz="1800" spc="-1" strike="noStrike">
-                <a:latin typeface="Arial"/>
-                <a:ea typeface="Noto Sans CJK SC"/>
-              </a:rPr>
-              <a:t>perlakukan </a:t>
-            </a:r>
-            <a:r>
-              <a:rPr b="0" lang="en-US" sz="1800" spc="-1" strike="noStrike">
-                <a:latin typeface="Arial"/>
-                <a:ea typeface="Noto Sans CJK SC"/>
-              </a:rPr>
-              <a:t>mereka seperti </a:t>
-            </a:r>
-            <a:r>
-              <a:rPr b="0" lang="en-US" sz="1800" spc="-1" strike="noStrike">
-                <a:latin typeface="Arial"/>
-                <a:ea typeface="Noto Sans CJK SC"/>
-              </a:rPr>
-              <a:t>manusia</a:t>
+              <a:t>Singkatnya, perlakukan mereka seperti manusia</a:t>
             </a:r>
             <a:endParaRPr b="0" lang="en-US" sz="1800" spc="-1" strike="noStrike">
               <a:latin typeface="Arial"/>
@@ -9257,13 +9254,13 @@
       <p:sp>
         <p:nvSpPr>
           <p:cNvPr id="154" name=""/>
-          <p:cNvSpPr txBox="1"/>
+          <p:cNvSpPr/>
           <p:nvPr/>
         </p:nvSpPr>
         <p:spPr>
           <a:xfrm>
             <a:off x="3200400" y="3082680"/>
-            <a:ext cx="3929760" cy="346320"/>
+            <a:ext cx="3929400" cy="345960"/>
           </a:xfrm>
           <a:prstGeom prst="rect">
             <a:avLst/>
@@ -9273,11 +9270,23 @@
             <a:noFill/>
           </a:ln>
         </p:spPr>
+        <p:style>
+          <a:lnRef idx="0"/>
+          <a:fillRef idx="0"/>
+          <a:effectRef idx="0"/>
+          <a:fontRef idx="minor"/>
+        </p:style>
         <p:txBody>
           <a:bodyPr lIns="90000" rIns="90000" tIns="45000" bIns="45000" anchor="t">
             <a:noAutofit/>
           </a:bodyPr>
           <a:p>
+            <a:pPr>
+              <a:lnSpc>
+                <a:spcPct val="100000"/>
+              </a:lnSpc>
+              <a:buNone/>
+            </a:pPr>
             <a:r>
               <a:rPr b="0" lang="en-US" sz="1800" spc="-1" strike="noStrike">
                 <a:latin typeface="Arial"/>
@@ -9560,7 +9569,7 @@
         <p:spPr>
           <a:xfrm>
             <a:off x="3515400" y="2132640"/>
-            <a:ext cx="2656800" cy="1229040"/>
+            <a:ext cx="2656440" cy="1228680"/>
           </a:xfrm>
           <a:prstGeom prst="rect">
             <a:avLst/>
@@ -9609,7 +9618,7 @@
         <p:spPr>
           <a:xfrm>
             <a:off x="1290600" y="1947600"/>
-            <a:ext cx="7920000" cy="938160"/>
+            <a:ext cx="7919640" cy="937800"/>
           </a:xfrm>
           <a:prstGeom prst="rect">
             <a:avLst/>
@@ -9665,7 +9674,7 @@
         <p:spPr>
           <a:xfrm>
             <a:off x="8229600" y="4705920"/>
-            <a:ext cx="1179360" cy="543240"/>
+            <a:ext cx="1179000" cy="542880"/>
           </a:xfrm>
           <a:prstGeom prst="rect">
             <a:avLst/>
@@ -9684,7 +9693,7 @@
         <p:spPr>
           <a:xfrm>
             <a:off x="1143000" y="4800600"/>
-            <a:ext cx="2743200" cy="285840"/>
+            <a:ext cx="2742840" cy="285480"/>
           </a:xfrm>
           <a:prstGeom prst="rect">
             <a:avLst/>
@@ -9750,13 +9759,13 @@
       <p:sp>
         <p:nvSpPr>
           <p:cNvPr id="159" name=""/>
-          <p:cNvSpPr txBox="1"/>
+          <p:cNvSpPr/>
           <p:nvPr/>
         </p:nvSpPr>
         <p:spPr>
           <a:xfrm>
             <a:off x="2743200" y="2669760"/>
-            <a:ext cx="4726800" cy="346320"/>
+            <a:ext cx="4726440" cy="345960"/>
           </a:xfrm>
           <a:prstGeom prst="rect">
             <a:avLst/>
@@ -9766,22 +9775,28 @@
             <a:noFill/>
           </a:ln>
         </p:spPr>
+        <p:style>
+          <a:lnRef idx="0"/>
+          <a:fillRef idx="0"/>
+          <a:effectRef idx="0"/>
+          <a:fontRef idx="minor"/>
+        </p:style>
         <p:txBody>
           <a:bodyPr lIns="90000" rIns="90000" tIns="45000" bIns="45000" anchor="t">
             <a:noAutofit/>
           </a:bodyPr>
           <a:p>
+            <a:pPr>
+              <a:lnSpc>
+                <a:spcPct val="100000"/>
+              </a:lnSpc>
+              <a:buNone/>
+            </a:pPr>
             <a:r>
               <a:rPr b="0" lang="en-US" sz="1800" spc="-1" strike="noStrike">
                 <a:latin typeface="Arial"/>
               </a:rPr>
-              <a:t>(memimpin dengan pujian dan </a:t>
-            </a:r>
-            <a:r>
-              <a:rPr b="0" lang="en-US" sz="1800" spc="-1" strike="noStrike">
-                <a:latin typeface="Arial"/>
-              </a:rPr>
-              <a:t>penghargaan)</a:t>
+              <a:t>(memimpin dengan pujian dan penghargaan)</a:t>
             </a:r>
             <a:endParaRPr b="0" lang="en-US" sz="1800" spc="-1" strike="noStrike">
               <a:latin typeface="Arial"/>
@@ -9950,7 +9965,7 @@
         <p:spPr>
           <a:xfrm>
             <a:off x="8229600" y="4705920"/>
-            <a:ext cx="1179360" cy="543240"/>
+            <a:ext cx="1179000" cy="542880"/>
           </a:xfrm>
           <a:prstGeom prst="rect">
             <a:avLst/>
@@ -9969,7 +9984,7 @@
         <p:spPr>
           <a:xfrm>
             <a:off x="1143000" y="4800600"/>
-            <a:ext cx="2742120" cy="285840"/>
+            <a:ext cx="2741760" cy="285480"/>
           </a:xfrm>
           <a:prstGeom prst="rect">
             <a:avLst/>
@@ -10035,13 +10050,13 @@
       <p:sp>
         <p:nvSpPr>
           <p:cNvPr id="162" name=""/>
-          <p:cNvSpPr txBox="1"/>
+          <p:cNvSpPr/>
           <p:nvPr/>
         </p:nvSpPr>
         <p:spPr>
           <a:xfrm>
             <a:off x="2018520" y="1939680"/>
-            <a:ext cx="6439680" cy="346320"/>
+            <a:ext cx="6439320" cy="345960"/>
           </a:xfrm>
           <a:prstGeom prst="rect">
             <a:avLst/>
@@ -10051,31 +10066,29 @@
             <a:noFill/>
           </a:ln>
         </p:spPr>
+        <p:style>
+          <a:lnRef idx="0"/>
+          <a:fillRef idx="0"/>
+          <a:effectRef idx="0"/>
+          <a:fontRef idx="minor"/>
+        </p:style>
         <p:txBody>
           <a:bodyPr lIns="90000" rIns="90000" tIns="45000" bIns="45000" anchor="t">
             <a:noAutofit/>
           </a:bodyPr>
           <a:p>
+            <a:pPr>
+              <a:lnSpc>
+                <a:spcPct val="100000"/>
+              </a:lnSpc>
+              <a:buNone/>
+            </a:pPr>
             <a:r>
               <a:rPr b="0" lang="en-US" sz="1800" spc="-1" strike="noStrike">
                 <a:latin typeface="Arial"/>
                 <a:ea typeface="Noto Sans CJK SC"/>
               </a:rPr>
-              <a:t>Semua manusia memiliki </a:t>
-            </a:r>
-            <a:r>
-              <a:rPr b="0" lang="en-US" sz="1800" spc="-1" strike="noStrike">
-                <a:latin typeface="Arial"/>
-                <a:ea typeface="Noto Sans CJK SC"/>
-              </a:rPr>
-              <a:t>kebutuhan untuk dihargai </a:t>
-            </a:r>
-            <a:r>
-              <a:rPr b="0" lang="en-US" sz="1800" spc="-1" strike="noStrike">
-                <a:latin typeface="Arial"/>
-                <a:ea typeface="Noto Sans CJK SC"/>
-              </a:rPr>
-              <a:t>dan diakui</a:t>
+              <a:t>Semua manusia memiliki kebutuhan untuk dihargai dan diakui</a:t>
             </a:r>
             <a:endParaRPr b="0" lang="en-US" sz="1800" spc="-1" strike="noStrike">
               <a:latin typeface="Arial"/>
@@ -10086,13 +10099,13 @@
       <p:sp>
         <p:nvSpPr>
           <p:cNvPr id="163" name=""/>
-          <p:cNvSpPr txBox="1"/>
+          <p:cNvSpPr/>
           <p:nvPr/>
         </p:nvSpPr>
         <p:spPr>
           <a:xfrm>
             <a:off x="2057400" y="2854080"/>
-            <a:ext cx="6301080" cy="346320"/>
+            <a:ext cx="6300720" cy="345960"/>
           </a:xfrm>
           <a:prstGeom prst="rect">
             <a:avLst/>
@@ -10102,11 +10115,23 @@
             <a:noFill/>
           </a:ln>
         </p:spPr>
+        <p:style>
+          <a:lnRef idx="0"/>
+          <a:fillRef idx="0"/>
+          <a:effectRef idx="0"/>
+          <a:fontRef idx="minor"/>
+        </p:style>
         <p:txBody>
           <a:bodyPr lIns="90000" rIns="90000" tIns="45000" bIns="45000" anchor="t">
             <a:noAutofit/>
           </a:bodyPr>
           <a:p>
+            <a:pPr>
+              <a:lnSpc>
+                <a:spcPct val="100000"/>
+              </a:lnSpc>
+              <a:buNone/>
+            </a:pPr>
             <a:r>
               <a:rPr b="0" lang="en-US" sz="1800" spc="-1" strike="noStrike">
                 <a:latin typeface="Arial"/>
@@ -10291,7 +10316,7 @@
         <p:spPr>
           <a:xfrm>
             <a:off x="8229600" y="4705920"/>
-            <a:ext cx="1179360" cy="543240"/>
+            <a:ext cx="1179000" cy="542880"/>
           </a:xfrm>
           <a:prstGeom prst="rect">
             <a:avLst/>
@@ -10310,7 +10335,7 @@
         <p:spPr>
           <a:xfrm>
             <a:off x="1143000" y="4800600"/>
-            <a:ext cx="2742120" cy="285840"/>
+            <a:ext cx="2741760" cy="285480"/>
           </a:xfrm>
           <a:prstGeom prst="rect">
             <a:avLst/>
@@ -10376,13 +10401,13 @@
       <p:sp>
         <p:nvSpPr>
           <p:cNvPr id="166" name=""/>
-          <p:cNvSpPr txBox="1"/>
+          <p:cNvSpPr/>
           <p:nvPr/>
         </p:nvSpPr>
         <p:spPr>
           <a:xfrm>
             <a:off x="2142000" y="1939680"/>
-            <a:ext cx="6316200" cy="346320"/>
+            <a:ext cx="6315840" cy="345960"/>
           </a:xfrm>
           <a:prstGeom prst="rect">
             <a:avLst/>
@@ -10392,11 +10417,23 @@
             <a:noFill/>
           </a:ln>
         </p:spPr>
+        <p:style>
+          <a:lnRef idx="0"/>
+          <a:fillRef idx="0"/>
+          <a:effectRef idx="0"/>
+          <a:fontRef idx="minor"/>
+        </p:style>
         <p:txBody>
           <a:bodyPr lIns="90000" rIns="90000" tIns="45000" bIns="45000" anchor="t">
             <a:noAutofit/>
           </a:bodyPr>
           <a:p>
+            <a:pPr>
+              <a:lnSpc>
+                <a:spcPct val="100000"/>
+              </a:lnSpc>
+              <a:buNone/>
+            </a:pPr>
             <a:r>
               <a:rPr b="0" lang="en-US" sz="1800" spc="-1" strike="noStrike">
                 <a:latin typeface="Arial"/>
@@ -10413,13 +10450,13 @@
       <p:sp>
         <p:nvSpPr>
           <p:cNvPr id="167" name=""/>
-          <p:cNvSpPr txBox="1"/>
+          <p:cNvSpPr/>
           <p:nvPr/>
         </p:nvSpPr>
         <p:spPr>
           <a:xfrm>
             <a:off x="2057400" y="2971800"/>
-            <a:ext cx="6071040" cy="767520"/>
+            <a:ext cx="6070680" cy="767160"/>
           </a:xfrm>
           <a:prstGeom prst="rect">
             <a:avLst/>
@@ -10429,11 +10466,23 @@
             <a:noFill/>
           </a:ln>
         </p:spPr>
+        <p:style>
+          <a:lnRef idx="0"/>
+          <a:fillRef idx="0"/>
+          <a:effectRef idx="0"/>
+          <a:fontRef idx="minor"/>
+        </p:style>
         <p:txBody>
           <a:bodyPr lIns="90000" rIns="90000" tIns="45000" bIns="45000" anchor="t">
             <a:noAutofit/>
           </a:bodyPr>
           <a:p>
+            <a:pPr>
+              <a:lnSpc>
+                <a:spcPct val="100000"/>
+              </a:lnSpc>
+              <a:buNone/>
+            </a:pPr>
             <a:r>
               <a:rPr b="0" lang="en-US" sz="1600" spc="-1" strike="noStrike">
                 <a:latin typeface="Arial"/>
@@ -10446,38 +10495,36 @@
             </a:endParaRPr>
           </a:p>
           <a:p>
+            <a:pPr>
+              <a:lnSpc>
+                <a:spcPct val="100000"/>
+              </a:lnSpc>
+              <a:buNone/>
+            </a:pPr>
             <a:r>
               <a:rPr b="0" lang="en-US" sz="1600" spc="-1" strike="noStrike">
                 <a:latin typeface="Arial"/>
                 <a:ea typeface="Noto Sans CJK SC"/>
               </a:rPr>
-              <a:t>Anda bertindak seperti charger atau pengisi </a:t>
-            </a:r>
+              <a:t>Anda bertindak seperti charger atau pengisi baterai bagi mereka, </a:t>
+            </a:r>
+            <a:endParaRPr b="0" lang="en-US" sz="1600" spc="-1" strike="noStrike">
+              <a:latin typeface="Arial"/>
+            </a:endParaRPr>
+          </a:p>
+          <a:p>
+            <a:pPr>
+              <a:lnSpc>
+                <a:spcPct val="100000"/>
+              </a:lnSpc>
+              <a:buNone/>
+            </a:pPr>
             <a:r>
               <a:rPr b="0" lang="en-US" sz="1600" spc="-1" strike="noStrike">
                 <a:latin typeface="Arial"/>
                 <a:ea typeface="Noto Sans CJK SC"/>
               </a:rPr>
-              <a:t>baterai bagi mereka, </a:t>
-            </a:r>
-            <a:endParaRPr b="0" lang="en-US" sz="1600" spc="-1" strike="noStrike">
-              <a:latin typeface="Arial"/>
-            </a:endParaRPr>
-          </a:p>
-          <a:p>
-            <a:r>
-              <a:rPr b="0" lang="en-US" sz="1600" spc="-1" strike="noStrike">
-                <a:latin typeface="Arial"/>
-                <a:ea typeface="Noto Sans CJK SC"/>
-              </a:rPr>
-              <a:t>karena anda memberi mereka kekuatan dan </a:t>
-            </a:r>
-            <a:r>
-              <a:rPr b="0" lang="en-US" sz="1600" spc="-1" strike="noStrike">
-                <a:latin typeface="Arial"/>
-                <a:ea typeface="Noto Sans CJK SC"/>
-              </a:rPr>
-              <a:t>energi.</a:t>
+              <a:t>karena anda memberi mereka kekuatan dan energi.</a:t>
             </a:r>
             <a:endParaRPr b="0" lang="en-US" sz="1600" spc="-1" strike="noStrike">
               <a:latin typeface="Arial"/>
@@ -10754,7 +10801,7 @@
         <p:spPr>
           <a:xfrm>
             <a:off x="3515400" y="2132640"/>
-            <a:ext cx="2656800" cy="1229040"/>
+            <a:ext cx="2656440" cy="1228680"/>
           </a:xfrm>
           <a:prstGeom prst="rect">
             <a:avLst/>
@@ -10803,7 +10850,7 @@
         <p:spPr>
           <a:xfrm>
             <a:off x="1179000" y="1746000"/>
-            <a:ext cx="7920000" cy="938160"/>
+            <a:ext cx="7919640" cy="937800"/>
           </a:xfrm>
           <a:prstGeom prst="rect">
             <a:avLst/>
@@ -10859,7 +10906,7 @@
         <p:spPr>
           <a:xfrm>
             <a:off x="8229600" y="4705920"/>
-            <a:ext cx="1179360" cy="543240"/>
+            <a:ext cx="1179000" cy="542880"/>
           </a:xfrm>
           <a:prstGeom prst="rect">
             <a:avLst/>
@@ -10878,7 +10925,7 @@
         <p:spPr>
           <a:xfrm>
             <a:off x="1143000" y="4800600"/>
-            <a:ext cx="2743200" cy="285840"/>
+            <a:ext cx="2742840" cy="285480"/>
           </a:xfrm>
           <a:prstGeom prst="rect">
             <a:avLst/>
@@ -10944,13 +10991,13 @@
       <p:sp>
         <p:nvSpPr>
           <p:cNvPr id="172" name=""/>
-          <p:cNvSpPr txBox="1"/>
+          <p:cNvSpPr/>
           <p:nvPr/>
         </p:nvSpPr>
         <p:spPr>
           <a:xfrm>
             <a:off x="2881800" y="2467800"/>
-            <a:ext cx="4551480" cy="346320"/>
+            <a:ext cx="4551120" cy="345960"/>
           </a:xfrm>
           <a:prstGeom prst="rect">
             <a:avLst/>
@@ -10960,11 +11007,23 @@
             <a:noFill/>
           </a:ln>
         </p:spPr>
+        <p:style>
+          <a:lnRef idx="0"/>
+          <a:fillRef idx="0"/>
+          <a:effectRef idx="0"/>
+          <a:fontRef idx="minor"/>
+        </p:style>
         <p:txBody>
           <a:bodyPr lIns="90000" rIns="90000" tIns="45000" bIns="45000" anchor="t">
             <a:noAutofit/>
           </a:bodyPr>
           <a:p>
+            <a:pPr>
+              <a:lnSpc>
+                <a:spcPct val="100000"/>
+              </a:lnSpc>
+              <a:buNone/>
+            </a:pPr>
             <a:r>
               <a:rPr b="0" lang="en-US" sz="1800" spc="-1" strike="noStrike">
                 <a:latin typeface="Arial"/>
@@ -11134,7 +11193,7 @@
         <p:spPr>
           <a:xfrm>
             <a:off x="1143000" y="2286000"/>
-            <a:ext cx="7920000" cy="938160"/>
+            <a:ext cx="7919640" cy="937800"/>
           </a:xfrm>
           <a:prstGeom prst="rect">
             <a:avLst/>
@@ -11164,7 +11223,7 @@
         <p:spPr>
           <a:xfrm>
             <a:off x="8229600" y="4705920"/>
-            <a:ext cx="1179360" cy="543240"/>
+            <a:ext cx="1179000" cy="542880"/>
           </a:xfrm>
           <a:prstGeom prst="rect">
             <a:avLst/>
@@ -11183,7 +11242,7 @@
         <p:spPr>
           <a:xfrm>
             <a:off x="1143000" y="4797000"/>
-            <a:ext cx="2743200" cy="285840"/>
+            <a:ext cx="2742840" cy="285480"/>
           </a:xfrm>
           <a:prstGeom prst="rect">
             <a:avLst/>
@@ -11249,13 +11308,13 @@
       <p:sp>
         <p:nvSpPr>
           <p:cNvPr id="176" name=""/>
-          <p:cNvSpPr txBox="1"/>
+          <p:cNvSpPr/>
           <p:nvPr/>
         </p:nvSpPr>
         <p:spPr>
           <a:xfrm>
             <a:off x="1600200" y="1459080"/>
-            <a:ext cx="7139160" cy="346320"/>
+            <a:ext cx="7138800" cy="345960"/>
           </a:xfrm>
           <a:prstGeom prst="rect">
             <a:avLst/>
@@ -11265,31 +11324,29 @@
             <a:noFill/>
           </a:ln>
         </p:spPr>
+        <p:style>
+          <a:lnRef idx="0"/>
+          <a:fillRef idx="0"/>
+          <a:effectRef idx="0"/>
+          <a:fontRef idx="minor"/>
+        </p:style>
         <p:txBody>
           <a:bodyPr lIns="90000" rIns="90000" tIns="45000" bIns="45000" anchor="t">
             <a:noAutofit/>
           </a:bodyPr>
           <a:p>
+            <a:pPr>
+              <a:lnSpc>
+                <a:spcPct val="100000"/>
+              </a:lnSpc>
+              <a:buNone/>
+            </a:pPr>
             <a:r>
               <a:rPr b="0" lang="en-US" sz="1800" spc="-1" strike="noStrike">
                 <a:latin typeface="Arial"/>
                 <a:ea typeface="Noto Sans CJK SC"/>
               </a:rPr>
-              <a:t>kecerdasan emosional </a:t>
-            </a:r>
-            <a:r>
-              <a:rPr b="0" lang="en-US" sz="1800" spc="-1" strike="noStrike">
-                <a:latin typeface="Arial"/>
-                <a:ea typeface="Noto Sans CJK SC"/>
-              </a:rPr>
-              <a:t>adalah kemampuan </a:t>
-            </a:r>
-            <a:r>
-              <a:rPr b="0" lang="en-US" sz="1800" spc="-1" strike="noStrike">
-                <a:latin typeface="Arial"/>
-                <a:ea typeface="Noto Sans CJK SC"/>
-              </a:rPr>
-              <a:t>untuk memproses emosi </a:t>
+              <a:t>kecerdasan emosional adalah kemampuan untuk memproses emosi </a:t>
             </a:r>
             <a:endParaRPr b="0" lang="en-US" sz="1800" spc="-1" strike="noStrike">
               <a:latin typeface="Arial"/>
@@ -11300,13 +11357,13 @@
       <p:sp>
         <p:nvSpPr>
           <p:cNvPr id="177" name=""/>
-          <p:cNvSpPr txBox="1"/>
+          <p:cNvSpPr/>
           <p:nvPr/>
         </p:nvSpPr>
         <p:spPr>
           <a:xfrm>
             <a:off x="1352160" y="2241720"/>
-            <a:ext cx="2341440" cy="602280"/>
+            <a:ext cx="2341080" cy="601920"/>
           </a:xfrm>
           <a:prstGeom prst="rect">
             <a:avLst/>
@@ -11316,11 +11373,23 @@
             <a:noFill/>
           </a:ln>
         </p:spPr>
+        <p:style>
+          <a:lnRef idx="0"/>
+          <a:fillRef idx="0"/>
+          <a:effectRef idx="0"/>
+          <a:fontRef idx="minor"/>
+        </p:style>
         <p:txBody>
           <a:bodyPr lIns="90000" rIns="90000" tIns="45000" bIns="45000" anchor="t">
             <a:noAutofit/>
           </a:bodyPr>
           <a:p>
+            <a:pPr>
+              <a:lnSpc>
+                <a:spcPct val="100000"/>
+              </a:lnSpc>
+              <a:buNone/>
+            </a:pPr>
             <a:r>
               <a:rPr b="0" lang="en-US" sz="1800" spc="-1" strike="noStrike">
                 <a:latin typeface="Arial"/>
@@ -11343,13 +11412,13 @@
       <p:sp>
         <p:nvSpPr>
           <p:cNvPr id="178" name=""/>
-          <p:cNvSpPr txBox="1"/>
+          <p:cNvSpPr/>
           <p:nvPr/>
         </p:nvSpPr>
         <p:spPr>
           <a:xfrm>
             <a:off x="1352160" y="2625840"/>
-            <a:ext cx="2082600" cy="346320"/>
+            <a:ext cx="2082240" cy="345960"/>
           </a:xfrm>
           <a:prstGeom prst="rect">
             <a:avLst/>
@@ -11359,11 +11428,23 @@
             <a:noFill/>
           </a:ln>
         </p:spPr>
+        <p:style>
+          <a:lnRef idx="0"/>
+          <a:fillRef idx="0"/>
+          <a:effectRef idx="0"/>
+          <a:fontRef idx="minor"/>
+        </p:style>
         <p:txBody>
           <a:bodyPr lIns="90000" rIns="90000" tIns="45000" bIns="45000" anchor="t">
             <a:noAutofit/>
           </a:bodyPr>
           <a:p>
+            <a:pPr>
+              <a:lnSpc>
+                <a:spcPct val="100000"/>
+              </a:lnSpc>
+              <a:buNone/>
+            </a:pPr>
             <a:r>
               <a:rPr b="0" lang="en-US" sz="1800" spc="-1" strike="noStrike">
                 <a:latin typeface="Arial"/>
@@ -11386,13 +11467,13 @@
       <p:sp>
         <p:nvSpPr>
           <p:cNvPr id="179" name=""/>
-          <p:cNvSpPr txBox="1"/>
+          <p:cNvSpPr/>
           <p:nvPr/>
         </p:nvSpPr>
         <p:spPr>
           <a:xfrm>
             <a:off x="1523880" y="3405600"/>
-            <a:ext cx="6907680" cy="602280"/>
+            <a:ext cx="6907320" cy="601920"/>
           </a:xfrm>
           <a:prstGeom prst="rect">
             <a:avLst/>
@@ -11402,57 +11483,45 @@
             <a:noFill/>
           </a:ln>
         </p:spPr>
+        <p:style>
+          <a:lnRef idx="0"/>
+          <a:fillRef idx="0"/>
+          <a:effectRef idx="0"/>
+          <a:fontRef idx="minor"/>
+        </p:style>
         <p:txBody>
           <a:bodyPr lIns="90000" rIns="90000" tIns="45000" bIns="45000" anchor="t">
             <a:noAutofit/>
           </a:bodyPr>
           <a:p>
+            <a:pPr>
+              <a:lnSpc>
+                <a:spcPct val="100000"/>
+              </a:lnSpc>
+              <a:buNone/>
+            </a:pPr>
             <a:r>
               <a:rPr b="0" lang="en-US" sz="1800" spc="-1" strike="noStrike">
                 <a:latin typeface="Arial"/>
               </a:rPr>
-              <a:t>Dapat dipelajari </a:t>
-            </a:r>
+              <a:t>Dapat dipelajari di usia berapa pun, tidak hanya sebagai pemimpin</a:t>
+            </a:r>
+            <a:endParaRPr b="0" lang="en-US" sz="1800" spc="-1" strike="noStrike">
+              <a:latin typeface="Arial"/>
+            </a:endParaRPr>
+          </a:p>
+          <a:p>
+            <a:pPr>
+              <a:lnSpc>
+                <a:spcPct val="100000"/>
+              </a:lnSpc>
+              <a:buNone/>
+            </a:pPr>
             <a:r>
               <a:rPr b="0" lang="en-US" sz="1800" spc="-1" strike="noStrike">
                 <a:latin typeface="Arial"/>
               </a:rPr>
-              <a:t>di usia berapa </a:t>
-            </a:r>
-            <a:r>
-              <a:rPr b="0" lang="en-US" sz="1800" spc="-1" strike="noStrike">
-                <a:latin typeface="Arial"/>
-              </a:rPr>
-              <a:t>pun, tidak hanya </a:t>
-            </a:r>
-            <a:r>
-              <a:rPr b="0" lang="en-US" sz="1800" spc="-1" strike="noStrike">
-                <a:latin typeface="Arial"/>
-              </a:rPr>
-              <a:t>sebagai </a:t>
-            </a:r>
-            <a:r>
-              <a:rPr b="0" lang="en-US" sz="1800" spc="-1" strike="noStrike">
-                <a:latin typeface="Arial"/>
-              </a:rPr>
-              <a:t>pemimpin</a:t>
-            </a:r>
-            <a:endParaRPr b="0" lang="en-US" sz="1800" spc="-1" strike="noStrike">
-              <a:latin typeface="Arial"/>
-            </a:endParaRPr>
-          </a:p>
-          <a:p>
-            <a:r>
-              <a:rPr b="0" lang="en-US" sz="1800" spc="-1" strike="noStrike">
-                <a:latin typeface="Arial"/>
-              </a:rPr>
-              <a:t>tapi juga sebagai </a:t>
-            </a:r>
-            <a:r>
-              <a:rPr b="0" lang="en-US" sz="1800" spc="-1" strike="noStrike">
-                <a:latin typeface="Arial"/>
-              </a:rPr>
-              <a:t>manusia.</a:t>
+              <a:t>tapi juga sebagai manusia.</a:t>
             </a:r>
             <a:endParaRPr b="0" lang="en-US" sz="1800" spc="-1" strike="noStrike">
               <a:latin typeface="Arial"/>
@@ -11778,7 +11847,7 @@
         <p:spPr>
           <a:xfrm>
             <a:off x="3515400" y="2132640"/>
-            <a:ext cx="2656800" cy="1229040"/>
+            <a:ext cx="2656440" cy="1228680"/>
           </a:xfrm>
           <a:prstGeom prst="rect">
             <a:avLst/>
@@ -11827,7 +11896,7 @@
         <p:spPr>
           <a:xfrm>
             <a:off x="1308600" y="1684440"/>
-            <a:ext cx="7920000" cy="938160"/>
+            <a:ext cx="7919640" cy="937800"/>
           </a:xfrm>
           <a:prstGeom prst="rect">
             <a:avLst/>
@@ -11904,7 +11973,7 @@
         <p:spPr>
           <a:xfrm>
             <a:off x="8229600" y="4705920"/>
-            <a:ext cx="1179360" cy="543240"/>
+            <a:ext cx="1179000" cy="542880"/>
           </a:xfrm>
           <a:prstGeom prst="rect">
             <a:avLst/>
@@ -11923,7 +11992,7 @@
         <p:spPr>
           <a:xfrm>
             <a:off x="1143000" y="4753440"/>
-            <a:ext cx="2743200" cy="285840"/>
+            <a:ext cx="2742840" cy="285480"/>
           </a:xfrm>
           <a:prstGeom prst="rect">
             <a:avLst/>
@@ -11989,13 +12058,13 @@
       <p:sp>
         <p:nvSpPr>
           <p:cNvPr id="184" name=""/>
-          <p:cNvSpPr txBox="1"/>
+          <p:cNvSpPr/>
           <p:nvPr/>
         </p:nvSpPr>
         <p:spPr>
           <a:xfrm>
             <a:off x="2904120" y="2670120"/>
-            <a:ext cx="4880880" cy="602280"/>
+            <a:ext cx="4880520" cy="601920"/>
           </a:xfrm>
           <a:prstGeom prst="rect">
             <a:avLst/>
@@ -12005,12 +12074,21 @@
             <a:noFill/>
           </a:ln>
         </p:spPr>
+        <p:style>
+          <a:lnRef idx="0"/>
+          <a:fillRef idx="0"/>
+          <a:effectRef idx="0"/>
+          <a:fontRef idx="minor"/>
+        </p:style>
         <p:txBody>
           <a:bodyPr lIns="90000" rIns="90000" tIns="45000" bIns="45000" anchor="t">
             <a:noAutofit/>
           </a:bodyPr>
           <a:p>
             <a:pPr algn="ctr">
+              <a:lnSpc>
+                <a:spcPct val="100000"/>
+              </a:lnSpc>
               <a:buNone/>
             </a:pPr>
             <a:r>
@@ -12025,6 +12103,9 @@
           </a:p>
           <a:p>
             <a:pPr algn="ctr">
+              <a:lnSpc>
+                <a:spcPct val="100000"/>
+              </a:lnSpc>
               <a:buNone/>
             </a:pPr>
             <a:r>
@@ -12196,7 +12277,7 @@
         <p:spPr>
           <a:xfrm>
             <a:off x="529560" y="457200"/>
-            <a:ext cx="7920000" cy="938160"/>
+            <a:ext cx="7919640" cy="937800"/>
           </a:xfrm>
           <a:prstGeom prst="rect">
             <a:avLst/>
@@ -12252,7 +12333,7 @@
         <p:spPr>
           <a:xfrm>
             <a:off x="8229600" y="4705920"/>
-            <a:ext cx="1179360" cy="543240"/>
+            <a:ext cx="1179000" cy="542880"/>
           </a:xfrm>
           <a:prstGeom prst="rect">
             <a:avLst/>
@@ -12271,7 +12352,7 @@
         <p:spPr>
           <a:xfrm>
             <a:off x="1335600" y="1573200"/>
-            <a:ext cx="3142440" cy="2630520"/>
+            <a:ext cx="3142080" cy="2630160"/>
           </a:xfrm>
           <a:prstGeom prst="rect">
             <a:avLst/>
@@ -12469,7 +12550,7 @@
         <p:spPr>
           <a:xfrm>
             <a:off x="1027800" y="4967640"/>
-            <a:ext cx="2857680" cy="285840"/>
+            <a:ext cx="2857320" cy="285480"/>
           </a:xfrm>
           <a:prstGeom prst="rect">
             <a:avLst/>
@@ -12541,7 +12622,7 @@
         <p:spPr>
           <a:xfrm>
             <a:off x="4389120" y="1756800"/>
-            <a:ext cx="4752360" cy="1107720"/>
+            <a:ext cx="4752000" cy="1107360"/>
           </a:xfrm>
           <a:prstGeom prst="rect">
             <a:avLst/>
@@ -13029,7 +13110,7 @@
         <p:spPr>
           <a:xfrm>
             <a:off x="8229600" y="4705920"/>
-            <a:ext cx="1179360" cy="543240"/>
+            <a:ext cx="1179000" cy="542880"/>
           </a:xfrm>
           <a:prstGeom prst="rect">
             <a:avLst/>
@@ -13048,7 +13129,7 @@
         <p:spPr>
           <a:xfrm>
             <a:off x="1143000" y="5013360"/>
-            <a:ext cx="2971800" cy="285840"/>
+            <a:ext cx="2971440" cy="285480"/>
           </a:xfrm>
           <a:prstGeom prst="rect">
             <a:avLst/>
@@ -13114,13 +13195,13 @@
       <p:sp>
         <p:nvSpPr>
           <p:cNvPr id="187" name=""/>
-          <p:cNvSpPr txBox="1"/>
+          <p:cNvSpPr/>
           <p:nvPr/>
         </p:nvSpPr>
         <p:spPr>
           <a:xfrm>
             <a:off x="2057400" y="1482480"/>
-            <a:ext cx="4842720" cy="346320"/>
+            <a:ext cx="4842360" cy="345960"/>
           </a:xfrm>
           <a:prstGeom prst="rect">
             <a:avLst/>
@@ -13130,11 +13211,23 @@
             <a:noFill/>
           </a:ln>
         </p:spPr>
+        <p:style>
+          <a:lnRef idx="0"/>
+          <a:fillRef idx="0"/>
+          <a:effectRef idx="0"/>
+          <a:fontRef idx="minor"/>
+        </p:style>
         <p:txBody>
           <a:bodyPr lIns="90000" rIns="90000" tIns="45000" bIns="45000" anchor="t">
             <a:noAutofit/>
           </a:bodyPr>
           <a:p>
+            <a:pPr>
+              <a:lnSpc>
+                <a:spcPct val="100000"/>
+              </a:lnSpc>
+              <a:buNone/>
+            </a:pPr>
             <a:r>
               <a:rPr b="0" lang="en-US" sz="1800" spc="-1" strike="noStrike">
                 <a:latin typeface="Arial"/>
@@ -13151,13 +13244,13 @@
       <p:sp>
         <p:nvSpPr>
           <p:cNvPr id="188" name=""/>
-          <p:cNvSpPr txBox="1"/>
+          <p:cNvSpPr/>
           <p:nvPr/>
         </p:nvSpPr>
         <p:spPr>
           <a:xfrm>
             <a:off x="1706040" y="2514600"/>
-            <a:ext cx="3323160" cy="1114200"/>
+            <a:ext cx="3322800" cy="1113840"/>
           </a:xfrm>
           <a:prstGeom prst="rect">
             <a:avLst/>
@@ -13167,11 +13260,23 @@
             <a:noFill/>
           </a:ln>
         </p:spPr>
+        <p:style>
+          <a:lnRef idx="0"/>
+          <a:fillRef idx="0"/>
+          <a:effectRef idx="0"/>
+          <a:fontRef idx="minor"/>
+        </p:style>
         <p:txBody>
           <a:bodyPr lIns="90000" rIns="90000" tIns="45000" bIns="45000" anchor="t">
             <a:noAutofit/>
           </a:bodyPr>
           <a:p>
+            <a:pPr>
+              <a:lnSpc>
+                <a:spcPct val="100000"/>
+              </a:lnSpc>
+              <a:buNone/>
+            </a:pPr>
             <a:r>
               <a:rPr b="0" lang="en-US" sz="1800" spc="-1" strike="noStrike">
                 <a:latin typeface="Arial"/>
@@ -13183,6 +13288,12 @@
             </a:endParaRPr>
           </a:p>
           <a:p>
+            <a:pPr>
+              <a:lnSpc>
+                <a:spcPct val="100000"/>
+              </a:lnSpc>
+              <a:buNone/>
+            </a:pPr>
             <a:r>
               <a:rPr b="0" lang="en-US" sz="1800" spc="-1" strike="noStrike">
                 <a:latin typeface="Arial"/>
@@ -13194,6 +13305,12 @@
             </a:endParaRPr>
           </a:p>
           <a:p>
+            <a:pPr>
+              <a:lnSpc>
+                <a:spcPct val="100000"/>
+              </a:lnSpc>
+              <a:buNone/>
+            </a:pPr>
             <a:r>
               <a:rPr b="0" lang="en-US" sz="1800" spc="-1" strike="noStrike">
                 <a:latin typeface="Arial"/>
@@ -13205,6 +13322,12 @@
             </a:endParaRPr>
           </a:p>
           <a:p>
+            <a:pPr>
+              <a:lnSpc>
+                <a:spcPct val="100000"/>
+              </a:lnSpc>
+              <a:buNone/>
+            </a:pPr>
             <a:r>
               <a:rPr b="0" lang="en-US" sz="1800" spc="-1" strike="noStrike">
                 <a:latin typeface="Arial"/>
@@ -13260,7 +13383,7 @@
         <p:spPr>
           <a:xfrm>
             <a:off x="3515400" y="2132640"/>
-            <a:ext cx="2656800" cy="1229040"/>
+            <a:ext cx="2656440" cy="1228680"/>
           </a:xfrm>
           <a:prstGeom prst="rect">
             <a:avLst/>
@@ -13309,7 +13432,7 @@
         <p:spPr>
           <a:xfrm>
             <a:off x="1371600" y="1828800"/>
-            <a:ext cx="7920000" cy="938160"/>
+            <a:ext cx="7919640" cy="937800"/>
           </a:xfrm>
           <a:prstGeom prst="rect">
             <a:avLst/>
@@ -13365,7 +13488,7 @@
         <p:spPr>
           <a:xfrm>
             <a:off x="8229600" y="4572000"/>
-            <a:ext cx="1179360" cy="543240"/>
+            <a:ext cx="1179000" cy="542880"/>
           </a:xfrm>
           <a:prstGeom prst="rect">
             <a:avLst/>
@@ -13384,7 +13507,7 @@
         <p:spPr>
           <a:xfrm>
             <a:off x="1143000" y="4739040"/>
-            <a:ext cx="2854080" cy="285840"/>
+            <a:ext cx="2853720" cy="285480"/>
           </a:xfrm>
           <a:prstGeom prst="rect">
             <a:avLst/>
@@ -13450,13 +13573,13 @@
       <p:sp>
         <p:nvSpPr>
           <p:cNvPr id="193" name=""/>
-          <p:cNvSpPr txBox="1"/>
+          <p:cNvSpPr/>
           <p:nvPr/>
         </p:nvSpPr>
         <p:spPr>
           <a:xfrm>
             <a:off x="3789000" y="2548440"/>
-            <a:ext cx="3106800" cy="346320"/>
+            <a:ext cx="3106440" cy="345960"/>
           </a:xfrm>
           <a:prstGeom prst="rect">
             <a:avLst/>
@@ -13466,11 +13589,23 @@
             <a:noFill/>
           </a:ln>
         </p:spPr>
+        <p:style>
+          <a:lnRef idx="0"/>
+          <a:fillRef idx="0"/>
+          <a:effectRef idx="0"/>
+          <a:fontRef idx="minor"/>
+        </p:style>
         <p:txBody>
           <a:bodyPr lIns="90000" rIns="90000" tIns="45000" bIns="45000" anchor="t">
             <a:noAutofit/>
           </a:bodyPr>
           <a:p>
+            <a:pPr>
+              <a:lnSpc>
+                <a:spcPct val="100000"/>
+              </a:lnSpc>
+              <a:buNone/>
+            </a:pPr>
             <a:r>
               <a:rPr b="0" lang="en-US" sz="1800" spc="-1" strike="noStrike">
                 <a:latin typeface="Arial"/>
@@ -13617,7 +13752,7 @@
         <p:spPr>
           <a:xfrm>
             <a:off x="8229600" y="4705920"/>
-            <a:ext cx="1179360" cy="543240"/>
+            <a:ext cx="1179000" cy="542880"/>
           </a:xfrm>
           <a:prstGeom prst="rect">
             <a:avLst/>
@@ -13636,7 +13771,7 @@
         <p:spPr>
           <a:xfrm>
             <a:off x="1270080" y="4836600"/>
-            <a:ext cx="2844720" cy="285840"/>
+            <a:ext cx="2844360" cy="285480"/>
           </a:xfrm>
           <a:prstGeom prst="rect">
             <a:avLst/>
@@ -13702,13 +13837,13 @@
       <p:sp>
         <p:nvSpPr>
           <p:cNvPr id="196" name=""/>
-          <p:cNvSpPr txBox="1"/>
+          <p:cNvSpPr/>
           <p:nvPr/>
         </p:nvSpPr>
         <p:spPr>
           <a:xfrm>
             <a:off x="2286000" y="2286000"/>
-            <a:ext cx="3163320" cy="1027800"/>
+            <a:ext cx="3162960" cy="1027440"/>
           </a:xfrm>
           <a:prstGeom prst="rect">
             <a:avLst/>
@@ -13718,11 +13853,23 @@
             <a:noFill/>
           </a:ln>
         </p:spPr>
+        <p:style>
+          <a:lnRef idx="0"/>
+          <a:fillRef idx="0"/>
+          <a:effectRef idx="0"/>
+          <a:fontRef idx="minor"/>
+        </p:style>
         <p:txBody>
           <a:bodyPr lIns="90000" rIns="90000" tIns="45000" bIns="45000" anchor="t">
             <a:noAutofit/>
           </a:bodyPr>
           <a:p>
+            <a:pPr>
+              <a:lnSpc>
+                <a:spcPct val="100000"/>
+              </a:lnSpc>
+              <a:buNone/>
+            </a:pPr>
             <a:r>
               <a:rPr b="0" lang="en-US" sz="2200" spc="-1" strike="noStrike">
                 <a:latin typeface="Arial"/>
@@ -13734,6 +13881,12 @@
             </a:endParaRPr>
           </a:p>
           <a:p>
+            <a:pPr>
+              <a:lnSpc>
+                <a:spcPct val="100000"/>
+              </a:lnSpc>
+              <a:buNone/>
+            </a:pPr>
             <a:r>
               <a:rPr b="0" lang="en-US" sz="2200" spc="-1" strike="noStrike">
                 <a:latin typeface="Arial"/>
@@ -13745,6 +13898,12 @@
             </a:endParaRPr>
           </a:p>
           <a:p>
+            <a:pPr>
+              <a:lnSpc>
+                <a:spcPct val="100000"/>
+              </a:lnSpc>
+              <a:buNone/>
+            </a:pPr>
             <a:r>
               <a:rPr b="0" lang="en-US" sz="2200" spc="-1" strike="noStrike">
                 <a:latin typeface="Arial"/>
@@ -13800,7 +13959,7 @@
         <p:spPr>
           <a:xfrm>
             <a:off x="3515400" y="2132640"/>
-            <a:ext cx="2656800" cy="1229040"/>
+            <a:ext cx="2656440" cy="1228680"/>
           </a:xfrm>
           <a:prstGeom prst="rect">
             <a:avLst/>
@@ -13849,7 +14008,7 @@
         <p:spPr>
           <a:xfrm>
             <a:off x="1143000" y="2286000"/>
-            <a:ext cx="7920000" cy="938160"/>
+            <a:ext cx="7919640" cy="937800"/>
           </a:xfrm>
           <a:prstGeom prst="rect">
             <a:avLst/>
@@ -13926,7 +14085,7 @@
         <p:spPr>
           <a:xfrm>
             <a:off x="8229600" y="4705920"/>
-            <a:ext cx="1179360" cy="543240"/>
+            <a:ext cx="1179000" cy="542880"/>
           </a:xfrm>
           <a:prstGeom prst="rect">
             <a:avLst/>
@@ -13945,7 +14104,7 @@
         <p:spPr>
           <a:xfrm>
             <a:off x="1027800" y="4967640"/>
-            <a:ext cx="2858400" cy="285840"/>
+            <a:ext cx="2858040" cy="285480"/>
           </a:xfrm>
           <a:prstGeom prst="rect">
             <a:avLst/>
@@ -14181,7 +14340,7 @@
         <p:spPr>
           <a:xfrm>
             <a:off x="1143000" y="2286000"/>
-            <a:ext cx="7920000" cy="938160"/>
+            <a:ext cx="7919640" cy="937800"/>
           </a:xfrm>
           <a:prstGeom prst="rect">
             <a:avLst/>
@@ -14211,7 +14370,7 @@
         <p:spPr>
           <a:xfrm>
             <a:off x="8229600" y="4705920"/>
-            <a:ext cx="1179360" cy="543240"/>
+            <a:ext cx="1179000" cy="542880"/>
           </a:xfrm>
           <a:prstGeom prst="rect">
             <a:avLst/>
@@ -14234,7 +14393,7 @@
         <p:spPr>
           <a:xfrm>
             <a:off x="685800" y="1828800"/>
-            <a:ext cx="3493080" cy="2053080"/>
+            <a:ext cx="3492720" cy="2052720"/>
           </a:xfrm>
           <a:prstGeom prst="rect">
             <a:avLst/>
@@ -14253,7 +14412,7 @@
         <p:spPr>
           <a:xfrm>
             <a:off x="4572000" y="685800"/>
-            <a:ext cx="2242080" cy="448560"/>
+            <a:ext cx="2241720" cy="448200"/>
           </a:xfrm>
           <a:custGeom>
             <a:avLst/>
@@ -14407,7 +14566,7 @@
         <p:spPr>
           <a:xfrm>
             <a:off x="6858000" y="1151640"/>
-            <a:ext cx="2242080" cy="448560"/>
+            <a:ext cx="2241720" cy="448200"/>
           </a:xfrm>
           <a:custGeom>
             <a:avLst/>
@@ -14561,7 +14720,7 @@
         <p:spPr>
           <a:xfrm>
             <a:off x="4572000" y="1608840"/>
-            <a:ext cx="2242080" cy="448560"/>
+            <a:ext cx="2241720" cy="448200"/>
           </a:xfrm>
           <a:custGeom>
             <a:avLst/>
@@ -14715,7 +14874,7 @@
         <p:spPr>
           <a:xfrm>
             <a:off x="6858000" y="2066040"/>
-            <a:ext cx="2242080" cy="448560"/>
+            <a:ext cx="2241720" cy="448200"/>
           </a:xfrm>
           <a:custGeom>
             <a:avLst/>
@@ -14869,7 +15028,7 @@
         <p:spPr>
           <a:xfrm>
             <a:off x="4572000" y="2523240"/>
-            <a:ext cx="2242080" cy="448560"/>
+            <a:ext cx="2241720" cy="448200"/>
           </a:xfrm>
           <a:custGeom>
             <a:avLst/>
@@ -15023,7 +15182,7 @@
         <p:spPr>
           <a:xfrm>
             <a:off x="914400" y="4970160"/>
-            <a:ext cx="2971800" cy="285840"/>
+            <a:ext cx="2971440" cy="285480"/>
           </a:xfrm>
           <a:prstGeom prst="rect">
             <a:avLst/>
@@ -15095,7 +15254,7 @@
         <p:spPr>
           <a:xfrm>
             <a:off x="6901920" y="2980440"/>
-            <a:ext cx="2242080" cy="448560"/>
+            <a:ext cx="2241720" cy="448200"/>
           </a:xfrm>
           <a:custGeom>
             <a:avLst/>
@@ -15249,7 +15408,7 @@
         <p:spPr>
           <a:xfrm>
             <a:off x="4572000" y="3452760"/>
-            <a:ext cx="2242080" cy="448560"/>
+            <a:ext cx="2241720" cy="448200"/>
           </a:xfrm>
           <a:custGeom>
             <a:avLst/>
@@ -15403,7 +15562,7 @@
         <p:spPr>
           <a:xfrm>
             <a:off x="6901920" y="3894840"/>
-            <a:ext cx="2242080" cy="448560"/>
+            <a:ext cx="2241720" cy="448200"/>
           </a:xfrm>
           <a:custGeom>
             <a:avLst/>
@@ -15557,7 +15716,7 @@
         <p:spPr>
           <a:xfrm>
             <a:off x="4572000" y="4352040"/>
-            <a:ext cx="2242080" cy="448560"/>
+            <a:ext cx="2241720" cy="448200"/>
           </a:xfrm>
           <a:custGeom>
             <a:avLst/>
@@ -16093,7 +16252,7 @@
         <p:spPr>
           <a:xfrm>
             <a:off x="3515400" y="2132640"/>
-            <a:ext cx="2656800" cy="1229040"/>
+            <a:ext cx="2656440" cy="1228680"/>
           </a:xfrm>
           <a:prstGeom prst="rect">
             <a:avLst/>
@@ -16142,7 +16301,7 @@
         <p:spPr>
           <a:xfrm>
             <a:off x="1219680" y="2286000"/>
-            <a:ext cx="7920000" cy="938160"/>
+            <a:ext cx="7919640" cy="937800"/>
           </a:xfrm>
           <a:prstGeom prst="rect">
             <a:avLst/>
@@ -16198,7 +16357,7 @@
         <p:spPr>
           <a:xfrm>
             <a:off x="8229600" y="4705920"/>
-            <a:ext cx="1179360" cy="543240"/>
+            <a:ext cx="1179000" cy="542880"/>
           </a:xfrm>
           <a:prstGeom prst="rect">
             <a:avLst/>
@@ -16217,7 +16376,7 @@
         <p:spPr>
           <a:xfrm>
             <a:off x="1143000" y="4800600"/>
-            <a:ext cx="2743200" cy="285840"/>
+            <a:ext cx="2742840" cy="285480"/>
           </a:xfrm>
           <a:prstGeom prst="rect">
             <a:avLst/>
@@ -16414,7 +16573,7 @@
         <p:spPr>
           <a:xfrm>
             <a:off x="3515400" y="2132640"/>
-            <a:ext cx="2656800" cy="1229040"/>
+            <a:ext cx="2656440" cy="1228680"/>
           </a:xfrm>
           <a:prstGeom prst="rect">
             <a:avLst/>
@@ -16467,7 +16626,7 @@
         <p:spPr>
           <a:xfrm>
             <a:off x="3515400" y="2132640"/>
-            <a:ext cx="2656800" cy="1229040"/>
+            <a:ext cx="2656440" cy="1228680"/>
           </a:xfrm>
           <a:prstGeom prst="rect">
             <a:avLst/>
@@ -16516,7 +16675,7 @@
         <p:spPr>
           <a:xfrm>
             <a:off x="1143000" y="1828800"/>
-            <a:ext cx="7920000" cy="938160"/>
+            <a:ext cx="7919640" cy="937800"/>
           </a:xfrm>
           <a:prstGeom prst="rect">
             <a:avLst/>
@@ -16572,7 +16731,7 @@
         <p:spPr>
           <a:xfrm>
             <a:off x="8229600" y="4705920"/>
-            <a:ext cx="1179360" cy="543240"/>
+            <a:ext cx="1179000" cy="542880"/>
           </a:xfrm>
           <a:prstGeom prst="rect">
             <a:avLst/>
@@ -16591,7 +16750,7 @@
         <p:spPr>
           <a:xfrm>
             <a:off x="914400" y="4967640"/>
-            <a:ext cx="2970720" cy="285840"/>
+            <a:ext cx="2970360" cy="285480"/>
           </a:xfrm>
           <a:prstGeom prst="rect">
             <a:avLst/>
@@ -16657,13 +16816,13 @@
       <p:sp>
         <p:nvSpPr>
           <p:cNvPr id="88" name=""/>
-          <p:cNvSpPr txBox="1"/>
+          <p:cNvSpPr/>
           <p:nvPr/>
         </p:nvSpPr>
         <p:spPr>
           <a:xfrm>
             <a:off x="3164400" y="2589480"/>
-            <a:ext cx="3907080" cy="346320"/>
+            <a:ext cx="3906720" cy="345960"/>
           </a:xfrm>
           <a:prstGeom prst="rect">
             <a:avLst/>
@@ -16673,22 +16832,28 @@
             <a:noFill/>
           </a:ln>
         </p:spPr>
+        <p:style>
+          <a:lnRef idx="0"/>
+          <a:fillRef idx="0"/>
+          <a:effectRef idx="0"/>
+          <a:fontRef idx="minor"/>
+        </p:style>
         <p:txBody>
           <a:bodyPr lIns="90000" rIns="90000" tIns="45000" bIns="45000" anchor="t">
             <a:noAutofit/>
           </a:bodyPr>
           <a:p>
+            <a:pPr>
+              <a:lnSpc>
+                <a:spcPct val="100000"/>
+              </a:lnSpc>
+              <a:buNone/>
+            </a:pPr>
             <a:r>
               <a:rPr b="0" lang="en-US" sz="1800" spc="-1" strike="noStrike">
                 <a:latin typeface="Arial"/>
               </a:rPr>
-              <a:t>(memimpin dengan </a:t>
-            </a:r>
-            <a:r>
-              <a:rPr b="0" lang="en-US" sz="1800" spc="-1" strike="noStrike">
-                <a:latin typeface="Arial"/>
-              </a:rPr>
-              <a:t>memberi contoh)</a:t>
+              <a:t>(memimpin dengan memberi contoh)</a:t>
             </a:r>
             <a:endParaRPr b="0" lang="en-US" sz="1800" spc="-1" strike="noStrike">
               <a:latin typeface="Arial"/>
@@ -16826,7 +16991,7 @@
         <p:spPr>
           <a:xfrm>
             <a:off x="4350960" y="1600200"/>
-            <a:ext cx="1591560" cy="677160"/>
+            <a:ext cx="1591200" cy="676800"/>
           </a:xfrm>
           <a:custGeom>
             <a:avLst/>
@@ -16980,7 +17145,7 @@
         <p:spPr>
           <a:xfrm>
             <a:off x="914400" y="4970880"/>
-            <a:ext cx="2970720" cy="285840"/>
+            <a:ext cx="2970360" cy="285480"/>
           </a:xfrm>
           <a:prstGeom prst="rect">
             <a:avLst/>
@@ -17052,7 +17217,7 @@
         <p:spPr>
           <a:xfrm>
             <a:off x="4386960" y="2971800"/>
-            <a:ext cx="1591560" cy="677160"/>
+            <a:ext cx="1591200" cy="676800"/>
           </a:xfrm>
           <a:custGeom>
             <a:avLst/>
@@ -17210,7 +17375,7 @@
         <p:spPr>
           <a:xfrm>
             <a:off x="8229960" y="4705920"/>
-            <a:ext cx="1179360" cy="543240"/>
+            <a:ext cx="1179000" cy="542880"/>
           </a:xfrm>
           <a:prstGeom prst="rect">
             <a:avLst/>
@@ -17383,7 +17548,7 @@
         <p:spPr>
           <a:xfrm>
             <a:off x="3515400" y="2132640"/>
-            <a:ext cx="2656800" cy="1229040"/>
+            <a:ext cx="2656440" cy="1228680"/>
           </a:xfrm>
           <a:prstGeom prst="rect">
             <a:avLst/>
@@ -17432,7 +17597,7 @@
         <p:spPr>
           <a:xfrm>
             <a:off x="1224000" y="1828800"/>
-            <a:ext cx="7920000" cy="938160"/>
+            <a:ext cx="7919640" cy="937800"/>
           </a:xfrm>
           <a:prstGeom prst="rect">
             <a:avLst/>
@@ -17488,7 +17653,7 @@
         <p:spPr>
           <a:xfrm>
             <a:off x="8229600" y="4705920"/>
-            <a:ext cx="1179360" cy="543240"/>
+            <a:ext cx="1179000" cy="542880"/>
           </a:xfrm>
           <a:prstGeom prst="rect">
             <a:avLst/>
@@ -17507,7 +17672,7 @@
         <p:spPr>
           <a:xfrm>
             <a:off x="1027800" y="4967640"/>
-            <a:ext cx="2857320" cy="285840"/>
+            <a:ext cx="2856960" cy="285480"/>
           </a:xfrm>
           <a:prstGeom prst="rect">
             <a:avLst/>
@@ -17573,13 +17738,13 @@
       <p:sp>
         <p:nvSpPr>
           <p:cNvPr id="97" name=""/>
-          <p:cNvSpPr txBox="1"/>
+          <p:cNvSpPr/>
           <p:nvPr/>
         </p:nvSpPr>
         <p:spPr>
           <a:xfrm>
             <a:off x="3295440" y="2550600"/>
-            <a:ext cx="3791160" cy="346320"/>
+            <a:ext cx="3790800" cy="345960"/>
           </a:xfrm>
           <a:prstGeom prst="rect">
             <a:avLst/>
@@ -17589,11 +17754,23 @@
             <a:noFill/>
           </a:ln>
         </p:spPr>
+        <p:style>
+          <a:lnRef idx="0"/>
+          <a:fillRef idx="0"/>
+          <a:effectRef idx="0"/>
+          <a:fontRef idx="minor"/>
+        </p:style>
         <p:txBody>
           <a:bodyPr lIns="90000" rIns="90000" tIns="45000" bIns="45000" anchor="t">
             <a:noAutofit/>
           </a:bodyPr>
           <a:p>
+            <a:pPr>
+              <a:lnSpc>
+                <a:spcPct val="100000"/>
+              </a:lnSpc>
+              <a:buNone/>
+            </a:pPr>
             <a:r>
               <a:rPr b="0" lang="en-US" sz="1800" spc="-1" strike="noStrike">
                 <a:latin typeface="Arial"/>
@@ -17740,7 +17917,7 @@
         <p:spPr>
           <a:xfrm>
             <a:off x="8229600" y="4705920"/>
-            <a:ext cx="1179360" cy="543240"/>
+            <a:ext cx="1179000" cy="542880"/>
           </a:xfrm>
           <a:prstGeom prst="rect">
             <a:avLst/>
@@ -17759,7 +17936,7 @@
         <p:spPr>
           <a:xfrm>
             <a:off x="3566160" y="640080"/>
-            <a:ext cx="3191760" cy="448560"/>
+            <a:ext cx="3191400" cy="448200"/>
           </a:xfrm>
           <a:custGeom>
             <a:avLst/>
@@ -17934,7 +18111,7 @@
         <p:spPr>
           <a:xfrm>
             <a:off x="3566160" y="1280160"/>
-            <a:ext cx="3191760" cy="448560"/>
+            <a:ext cx="3191400" cy="448200"/>
           </a:xfrm>
           <a:custGeom>
             <a:avLst/>
@@ -18088,7 +18265,7 @@
         <p:spPr>
           <a:xfrm>
             <a:off x="3566160" y="3804480"/>
-            <a:ext cx="3191760" cy="448560"/>
+            <a:ext cx="3191400" cy="448200"/>
           </a:xfrm>
           <a:custGeom>
             <a:avLst/>
@@ -18242,7 +18419,7 @@
         <p:spPr>
           <a:xfrm>
             <a:off x="1040400" y="4980600"/>
-            <a:ext cx="2857320" cy="285840"/>
+            <a:ext cx="2856960" cy="285480"/>
           </a:xfrm>
           <a:prstGeom prst="rect">
             <a:avLst/>
@@ -18314,7 +18491,7 @@
         <p:spPr>
           <a:xfrm>
             <a:off x="2011680" y="2012760"/>
-            <a:ext cx="6332400" cy="1459800"/>
+            <a:ext cx="6332040" cy="1459440"/>
           </a:xfrm>
           <a:prstGeom prst="rect">
             <a:avLst/>

--- a/how to become a successful team leader/sukses menjadi tim leader.pptx
+++ b/how to become a successful team leader/sukses menjadi tim leader.pptx
@@ -3159,7 +3159,19 @@
               <a:rPr b="0" lang="en-US" sz="4400" spc="-1" strike="noStrike">
                 <a:latin typeface="Arial"/>
               </a:rPr>
-              <a:t>Click to edit the title text </a:t>
+              <a:t>Click to </a:t>
+            </a:r>
+            <a:r>
+              <a:rPr b="0" lang="en-US" sz="4400" spc="-1" strike="noStrike">
+                <a:latin typeface="Arial"/>
+              </a:rPr>
+              <a:t>edit the </a:t>
+            </a:r>
+            <a:r>
+              <a:rPr b="0" lang="en-US" sz="4400" spc="-1" strike="noStrike">
+                <a:latin typeface="Arial"/>
+              </a:rPr>
+              <a:t>title text </a:t>
             </a:r>
             <a:r>
               <a:rPr b="0" lang="en-US" sz="4400" spc="-1" strike="noStrike">
@@ -3695,7 +3707,7 @@
         <p:spPr>
           <a:xfrm>
             <a:off x="3515400" y="2132640"/>
-            <a:ext cx="2656440" cy="1228680"/>
+            <a:ext cx="2656080" cy="1228320"/>
           </a:xfrm>
           <a:prstGeom prst="rect">
             <a:avLst/>
@@ -3748,7 +3760,7 @@
         <p:spPr>
           <a:xfrm>
             <a:off x="3515400" y="2132640"/>
-            <a:ext cx="2656440" cy="1228680"/>
+            <a:ext cx="2656080" cy="1228320"/>
           </a:xfrm>
           <a:prstGeom prst="rect">
             <a:avLst/>
@@ -3797,7 +3809,7 @@
         <p:spPr>
           <a:xfrm>
             <a:off x="1251000" y="1828800"/>
-            <a:ext cx="7919640" cy="937800"/>
+            <a:ext cx="7919280" cy="937440"/>
           </a:xfrm>
           <a:prstGeom prst="rect">
             <a:avLst/>
@@ -3853,7 +3865,7 @@
         <p:spPr>
           <a:xfrm>
             <a:off x="8229600" y="4705920"/>
-            <a:ext cx="1179000" cy="542880"/>
+            <a:ext cx="1178640" cy="542520"/>
           </a:xfrm>
           <a:prstGeom prst="rect">
             <a:avLst/>
@@ -3872,7 +3884,7 @@
         <p:spPr>
           <a:xfrm>
             <a:off x="1143000" y="4800600"/>
-            <a:ext cx="2741760" cy="285480"/>
+            <a:ext cx="2741400" cy="285120"/>
           </a:xfrm>
           <a:prstGeom prst="rect">
             <a:avLst/>
@@ -3944,7 +3956,7 @@
         <p:spPr>
           <a:xfrm>
             <a:off x="3393000" y="2622600"/>
-            <a:ext cx="3411360" cy="345960"/>
+            <a:ext cx="3411000" cy="345600"/>
           </a:xfrm>
           <a:prstGeom prst="rect">
             <a:avLst/>
@@ -3973,7 +3985,11 @@
             </a:pPr>
             <a:r>
               <a:rPr b="0" lang="en-US" sz="1800" spc="-1" strike="noStrike">
-                <a:latin typeface="Arial"/>
+                <a:solidFill>
+                  <a:srgbClr val="000000"/>
+                </a:solidFill>
+                <a:latin typeface="Arial"/>
+                <a:ea typeface="DejaVu Sans"/>
               </a:rPr>
               <a:t>(memimpin dengan komunikasi)</a:t>
             </a:r>
@@ -4144,7 +4160,7 @@
         <p:spPr>
           <a:xfrm>
             <a:off x="8224920" y="4559400"/>
-            <a:ext cx="1179000" cy="542880"/>
+            <a:ext cx="1178640" cy="542520"/>
           </a:xfrm>
           <a:prstGeom prst="rect">
             <a:avLst/>
@@ -4163,7 +4179,7 @@
         <p:spPr>
           <a:xfrm>
             <a:off x="1631160" y="842400"/>
-            <a:ext cx="5260320" cy="343440"/>
+            <a:ext cx="5259960" cy="343080"/>
           </a:xfrm>
           <a:prstGeom prst="rect">
             <a:avLst/>
@@ -4215,7 +4231,7 @@
         <p:spPr>
           <a:xfrm>
             <a:off x="1631160" y="1410480"/>
-            <a:ext cx="6869880" cy="343440"/>
+            <a:ext cx="6869520" cy="343080"/>
           </a:xfrm>
           <a:prstGeom prst="rect">
             <a:avLst/>
@@ -4267,7 +4283,7 @@
         <p:spPr>
           <a:xfrm>
             <a:off x="5852160" y="2854080"/>
-            <a:ext cx="3101040" cy="984600"/>
+            <a:ext cx="3100680" cy="984240"/>
           </a:xfrm>
           <a:prstGeom prst="rect">
             <a:avLst/>
@@ -4360,7 +4376,7 @@
         <p:spPr>
           <a:xfrm>
             <a:off x="942480" y="3586680"/>
-            <a:ext cx="2942280" cy="343440"/>
+            <a:ext cx="2941920" cy="343080"/>
           </a:xfrm>
           <a:prstGeom prst="rect">
             <a:avLst/>
@@ -4412,7 +4428,7 @@
         <p:spPr>
           <a:xfrm>
             <a:off x="914400" y="3943800"/>
-            <a:ext cx="2068920" cy="855360"/>
+            <a:ext cx="2068560" cy="855000"/>
           </a:xfrm>
           <a:prstGeom prst="rect">
             <a:avLst/>
@@ -4506,7 +4522,7 @@
         <p:spPr>
           <a:xfrm>
             <a:off x="704880" y="2194560"/>
-            <a:ext cx="2585160" cy="657000"/>
+            <a:ext cx="2584800" cy="656640"/>
           </a:xfrm>
           <a:prstGeom prst="rect">
             <a:avLst/>
@@ -4887,7 +4903,7 @@
         <p:spPr>
           <a:xfrm>
             <a:off x="8192160" y="4713480"/>
-            <a:ext cx="1179000" cy="542880"/>
+            <a:ext cx="1178640" cy="542520"/>
           </a:xfrm>
           <a:prstGeom prst="rect">
             <a:avLst/>
@@ -4906,7 +4922,7 @@
         <p:spPr>
           <a:xfrm>
             <a:off x="1631160" y="842400"/>
-            <a:ext cx="6517800" cy="343440"/>
+            <a:ext cx="6517440" cy="343080"/>
           </a:xfrm>
           <a:prstGeom prst="rect">
             <a:avLst/>
@@ -4958,7 +4974,7 @@
         <p:spPr>
           <a:xfrm>
             <a:off x="1631160" y="1755360"/>
-            <a:ext cx="3625200" cy="343440"/>
+            <a:ext cx="3624840" cy="343080"/>
           </a:xfrm>
           <a:prstGeom prst="rect">
             <a:avLst/>
@@ -5010,7 +5026,7 @@
         <p:spPr>
           <a:xfrm>
             <a:off x="1600200" y="2514600"/>
-            <a:ext cx="6211440" cy="684360"/>
+            <a:ext cx="6211080" cy="684000"/>
           </a:xfrm>
           <a:prstGeom prst="rect">
             <a:avLst/>
@@ -5073,7 +5089,7 @@
         <p:spPr>
           <a:xfrm>
             <a:off x="1598760" y="2514600"/>
-            <a:ext cx="6212880" cy="600840"/>
+            <a:ext cx="6212520" cy="600480"/>
           </a:xfrm>
           <a:prstGeom prst="rect">
             <a:avLst/>
@@ -5136,7 +5152,7 @@
         <p:spPr>
           <a:xfrm>
             <a:off x="1600200" y="2514600"/>
-            <a:ext cx="4629240" cy="344880"/>
+            <a:ext cx="4628880" cy="344520"/>
           </a:xfrm>
           <a:prstGeom prst="rect">
             <a:avLst/>
@@ -5188,7 +5204,7 @@
         <p:spPr>
           <a:xfrm>
             <a:off x="1600200" y="2514600"/>
-            <a:ext cx="3588480" cy="344880"/>
+            <a:ext cx="3588120" cy="344520"/>
           </a:xfrm>
           <a:prstGeom prst="rect">
             <a:avLst/>
@@ -5240,7 +5256,7 @@
         <p:spPr>
           <a:xfrm>
             <a:off x="1620720" y="2514600"/>
-            <a:ext cx="4778640" cy="344880"/>
+            <a:ext cx="4778280" cy="344520"/>
           </a:xfrm>
           <a:prstGeom prst="rect">
             <a:avLst/>
@@ -5292,7 +5308,7 @@
         <p:spPr>
           <a:xfrm>
             <a:off x="1620720" y="2514600"/>
-            <a:ext cx="1471680" cy="344880"/>
+            <a:ext cx="1471320" cy="344520"/>
           </a:xfrm>
           <a:prstGeom prst="rect">
             <a:avLst/>
@@ -5344,7 +5360,7 @@
         <p:spPr>
           <a:xfrm>
             <a:off x="1620720" y="2514600"/>
-            <a:ext cx="2930040" cy="344880"/>
+            <a:ext cx="2929680" cy="344520"/>
           </a:xfrm>
           <a:prstGeom prst="rect">
             <a:avLst/>
@@ -5396,7 +5412,7 @@
         <p:spPr>
           <a:xfrm>
             <a:off x="1641960" y="2514600"/>
-            <a:ext cx="3157200" cy="344880"/>
+            <a:ext cx="3156840" cy="344520"/>
           </a:xfrm>
           <a:prstGeom prst="rect">
             <a:avLst/>
@@ -5448,7 +5464,7 @@
         <p:spPr>
           <a:xfrm>
             <a:off x="1620720" y="2514600"/>
-            <a:ext cx="3120480" cy="344880"/>
+            <a:ext cx="3120120" cy="344520"/>
           </a:xfrm>
           <a:prstGeom prst="rect">
             <a:avLst/>
@@ -5500,7 +5516,7 @@
         <p:spPr>
           <a:xfrm>
             <a:off x="1600200" y="2514240"/>
-            <a:ext cx="2955960" cy="601200"/>
+            <a:ext cx="2955600" cy="600840"/>
           </a:xfrm>
           <a:prstGeom prst="rect">
             <a:avLst/>
@@ -5552,7 +5568,7 @@
         <p:spPr>
           <a:xfrm>
             <a:off x="1143000" y="4800600"/>
-            <a:ext cx="2741760" cy="285480"/>
+            <a:ext cx="2741400" cy="285120"/>
           </a:xfrm>
           <a:prstGeom prst="rect">
             <a:avLst/>
@@ -6660,7 +6676,7 @@
         <p:spPr>
           <a:xfrm>
             <a:off x="3515400" y="2132640"/>
-            <a:ext cx="2656440" cy="1228680"/>
+            <a:ext cx="2656080" cy="1228320"/>
           </a:xfrm>
           <a:prstGeom prst="rect">
             <a:avLst/>
@@ -6709,7 +6725,7 @@
         <p:spPr>
           <a:xfrm>
             <a:off x="1143000" y="1854000"/>
-            <a:ext cx="7919640" cy="937800"/>
+            <a:ext cx="7919280" cy="937440"/>
           </a:xfrm>
           <a:prstGeom prst="rect">
             <a:avLst/>
@@ -6765,7 +6781,7 @@
         <p:spPr>
           <a:xfrm>
             <a:off x="8229600" y="4705920"/>
-            <a:ext cx="1179000" cy="542880"/>
+            <a:ext cx="1178640" cy="542520"/>
           </a:xfrm>
           <a:prstGeom prst="rect">
             <a:avLst/>
@@ -6784,7 +6800,7 @@
         <p:spPr>
           <a:xfrm>
             <a:off x="1143000" y="4800600"/>
-            <a:ext cx="2741760" cy="285480"/>
+            <a:ext cx="2741400" cy="285120"/>
           </a:xfrm>
           <a:prstGeom prst="rect">
             <a:avLst/>
@@ -6856,7 +6872,7 @@
         <p:spPr>
           <a:xfrm>
             <a:off x="3621600" y="2585160"/>
-            <a:ext cx="3118680" cy="345960"/>
+            <a:ext cx="3118320" cy="345600"/>
           </a:xfrm>
           <a:prstGeom prst="rect">
             <a:avLst/>
@@ -6885,7 +6901,11 @@
             </a:pPr>
             <a:r>
               <a:rPr b="0" lang="en-US" sz="1800" spc="-1" strike="noStrike">
-                <a:latin typeface="Arial"/>
+                <a:solidFill>
+                  <a:srgbClr val="000000"/>
+                </a:solidFill>
+                <a:latin typeface="Arial"/>
+                <a:ea typeface="DejaVu Sans"/>
               </a:rPr>
               <a:t>(memimpin dengan delegasi)</a:t>
             </a:r>
@@ -7056,7 +7076,7 @@
         <p:spPr>
           <a:xfrm>
             <a:off x="8229600" y="4705920"/>
-            <a:ext cx="1179000" cy="542880"/>
+            <a:ext cx="1178640" cy="542520"/>
           </a:xfrm>
           <a:prstGeom prst="rect">
             <a:avLst/>
@@ -7075,7 +7095,7 @@
         <p:spPr>
           <a:xfrm>
             <a:off x="3164400" y="2365560"/>
-            <a:ext cx="4105800" cy="448200"/>
+            <a:ext cx="4105440" cy="447840"/>
           </a:xfrm>
           <a:custGeom>
             <a:avLst/>
@@ -7229,7 +7249,7 @@
         <p:spPr>
           <a:xfrm>
             <a:off x="3164400" y="2894760"/>
-            <a:ext cx="4105800" cy="448200"/>
+            <a:ext cx="4105440" cy="447840"/>
           </a:xfrm>
           <a:custGeom>
             <a:avLst/>
@@ -7383,7 +7403,7 @@
         <p:spPr>
           <a:xfrm>
             <a:off x="3164400" y="3436560"/>
-            <a:ext cx="4105800" cy="448200"/>
+            <a:ext cx="4105440" cy="447840"/>
           </a:xfrm>
           <a:custGeom>
             <a:avLst/>
@@ -7537,7 +7557,7 @@
         <p:spPr>
           <a:xfrm>
             <a:off x="1143000" y="4800600"/>
-            <a:ext cx="2970360" cy="285480"/>
+            <a:ext cx="2970000" cy="285120"/>
           </a:xfrm>
           <a:prstGeom prst="rect">
             <a:avLst/>
@@ -7609,7 +7629,7 @@
         <p:spPr>
           <a:xfrm>
             <a:off x="1474200" y="1371600"/>
-            <a:ext cx="6753960" cy="343440"/>
+            <a:ext cx="6753600" cy="343080"/>
           </a:xfrm>
           <a:prstGeom prst="rect">
             <a:avLst/>
@@ -7884,7 +7904,7 @@
         <p:spPr>
           <a:xfrm>
             <a:off x="3515400" y="2132640"/>
-            <a:ext cx="2656440" cy="1228680"/>
+            <a:ext cx="2656080" cy="1228320"/>
           </a:xfrm>
           <a:prstGeom prst="rect">
             <a:avLst/>
@@ -7933,7 +7953,7 @@
         <p:spPr>
           <a:xfrm>
             <a:off x="1224000" y="1805040"/>
-            <a:ext cx="7919640" cy="937800"/>
+            <a:ext cx="7919280" cy="937440"/>
           </a:xfrm>
           <a:prstGeom prst="rect">
             <a:avLst/>
@@ -8010,7 +8030,7 @@
         <p:spPr>
           <a:xfrm>
             <a:off x="8193240" y="4485960"/>
-            <a:ext cx="1179000" cy="542880"/>
+            <a:ext cx="1178640" cy="542520"/>
           </a:xfrm>
           <a:prstGeom prst="rect">
             <a:avLst/>
@@ -8029,7 +8049,7 @@
         <p:spPr>
           <a:xfrm>
             <a:off x="914400" y="4800600"/>
-            <a:ext cx="2971440" cy="285480"/>
+            <a:ext cx="2971080" cy="285120"/>
           </a:xfrm>
           <a:prstGeom prst="rect">
             <a:avLst/>
@@ -8101,7 +8121,7 @@
         <p:spPr>
           <a:xfrm>
             <a:off x="3177000" y="2782080"/>
-            <a:ext cx="4150440" cy="601920"/>
+            <a:ext cx="4150080" cy="601560"/>
           </a:xfrm>
           <a:prstGeom prst="rect">
             <a:avLst/>
@@ -8130,7 +8150,11 @@
             </a:pPr>
             <a:r>
               <a:rPr b="0" lang="en-US" sz="1800" spc="-1" strike="noStrike">
-                <a:latin typeface="Arial"/>
+                <a:solidFill>
+                  <a:srgbClr val="000000"/>
+                </a:solidFill>
+                <a:latin typeface="Arial"/>
+                <a:ea typeface="DejaVu Sans"/>
               </a:rPr>
               <a:t>(Memimpin dengan menghubungkan)</a:t>
             </a:r>
@@ -8297,7 +8321,7 @@
         <p:spPr>
           <a:xfrm>
             <a:off x="4338000" y="2057400"/>
-            <a:ext cx="1713600" cy="345960"/>
+            <a:ext cx="1713240" cy="345600"/>
           </a:xfrm>
           <a:prstGeom prst="rect">
             <a:avLst/>
@@ -8326,7 +8350,11 @@
             </a:pPr>
             <a:r>
               <a:rPr b="0" lang="en-US" sz="1800" spc="-1" strike="noStrike">
-                <a:latin typeface="Arial"/>
+                <a:solidFill>
+                  <a:srgbClr val="000000"/>
+                </a:solidFill>
+                <a:latin typeface="Arial"/>
+                <a:ea typeface="DejaVu Sans"/>
               </a:rPr>
               <a:t>Siapa mereka?</a:t>
             </a:r>
@@ -8345,7 +8373,7 @@
         <p:spPr>
           <a:xfrm>
             <a:off x="4343400" y="2481120"/>
-            <a:ext cx="1689120" cy="345960"/>
+            <a:ext cx="1688760" cy="345600"/>
           </a:xfrm>
           <a:prstGeom prst="rect">
             <a:avLst/>
@@ -8374,7 +8402,11 @@
             </a:pPr>
             <a:r>
               <a:rPr b="0" lang="en-US" sz="1800" spc="-1" strike="noStrike">
-                <a:latin typeface="Arial"/>
+                <a:solidFill>
+                  <a:srgbClr val="000000"/>
+                </a:solidFill>
+                <a:latin typeface="Arial"/>
+                <a:ea typeface="DejaVu Sans"/>
               </a:rPr>
               <a:t>Minat mereka?</a:t>
             </a:r>
@@ -8393,7 +8425,7 @@
         <p:spPr>
           <a:xfrm>
             <a:off x="4203720" y="2938320"/>
-            <a:ext cx="1968120" cy="345960"/>
+            <a:ext cx="1967760" cy="345600"/>
           </a:xfrm>
           <a:prstGeom prst="rect">
             <a:avLst/>
@@ -8422,7 +8454,11 @@
             </a:pPr>
             <a:r>
               <a:rPr b="0" lang="en-US" sz="1800" spc="-1" strike="noStrike">
-                <a:latin typeface="Arial"/>
+                <a:solidFill>
+                  <a:srgbClr val="000000"/>
+                </a:solidFill>
+                <a:latin typeface="Arial"/>
+                <a:ea typeface="DejaVu Sans"/>
               </a:rPr>
               <a:t>Motivasi mereka?</a:t>
             </a:r>
@@ -8445,7 +8481,7 @@
         <p:spPr>
           <a:xfrm>
             <a:off x="8193240" y="4485960"/>
-            <a:ext cx="1179000" cy="542880"/>
+            <a:ext cx="1178640" cy="542520"/>
           </a:xfrm>
           <a:prstGeom prst="rect">
             <a:avLst/>
@@ -8464,7 +8500,7 @@
         <p:spPr>
           <a:xfrm>
             <a:off x="914400" y="4800600"/>
-            <a:ext cx="2971440" cy="285480"/>
+            <a:ext cx="2971080" cy="285120"/>
           </a:xfrm>
           <a:prstGeom prst="rect">
             <a:avLst/>
@@ -8794,7 +8830,7 @@
         <p:spPr>
           <a:xfrm>
             <a:off x="529560" y="457200"/>
-            <a:ext cx="9062640" cy="4435200"/>
+            <a:ext cx="9062280" cy="4434840"/>
           </a:xfrm>
           <a:prstGeom prst="rect">
             <a:avLst/>
@@ -8871,7 +8907,7 @@
         <p:spPr>
           <a:xfrm>
             <a:off x="4343400" y="4020120"/>
-            <a:ext cx="1179000" cy="542880"/>
+            <a:ext cx="1178640" cy="542520"/>
           </a:xfrm>
           <a:prstGeom prst="rect">
             <a:avLst/>
@@ -9120,7 +9156,7 @@
         <p:spPr>
           <a:xfrm>
             <a:off x="8229600" y="4705920"/>
-            <a:ext cx="1179000" cy="542880"/>
+            <a:ext cx="1178640" cy="542520"/>
           </a:xfrm>
           <a:prstGeom prst="rect">
             <a:avLst/>
@@ -9139,7 +9175,7 @@
         <p:spPr>
           <a:xfrm>
             <a:off x="876240" y="4971960"/>
-            <a:ext cx="3009600" cy="285480"/>
+            <a:ext cx="3009240" cy="285120"/>
           </a:xfrm>
           <a:prstGeom prst="rect">
             <a:avLst/>
@@ -9211,7 +9247,7 @@
         <p:spPr>
           <a:xfrm>
             <a:off x="2514600" y="1988280"/>
-            <a:ext cx="5047920" cy="345960"/>
+            <a:ext cx="5047560" cy="345600"/>
           </a:xfrm>
           <a:prstGeom prst="rect">
             <a:avLst/>
@@ -9240,6 +9276,9 @@
             </a:pPr>
             <a:r>
               <a:rPr b="0" lang="en-US" sz="1800" spc="-1" strike="noStrike">
+                <a:solidFill>
+                  <a:srgbClr val="000000"/>
+                </a:solidFill>
                 <a:latin typeface="Arial"/>
                 <a:ea typeface="Noto Sans CJK SC"/>
               </a:rPr>
@@ -9260,7 +9299,7 @@
         <p:spPr>
           <a:xfrm>
             <a:off x="3200400" y="3082680"/>
-            <a:ext cx="3929400" cy="345960"/>
+            <a:ext cx="3929040" cy="345600"/>
           </a:xfrm>
           <a:prstGeom prst="rect">
             <a:avLst/>
@@ -9289,6 +9328,9 @@
             </a:pPr>
             <a:r>
               <a:rPr b="0" lang="en-US" sz="1800" spc="-1" strike="noStrike">
+                <a:solidFill>
+                  <a:srgbClr val="000000"/>
+                </a:solidFill>
                 <a:latin typeface="Arial"/>
                 <a:ea typeface="Noto Sans CJK SC"/>
               </a:rPr>
@@ -9569,7 +9611,7 @@
         <p:spPr>
           <a:xfrm>
             <a:off x="3515400" y="2132640"/>
-            <a:ext cx="2656440" cy="1228680"/>
+            <a:ext cx="2656080" cy="1228320"/>
           </a:xfrm>
           <a:prstGeom prst="rect">
             <a:avLst/>
@@ -9618,7 +9660,7 @@
         <p:spPr>
           <a:xfrm>
             <a:off x="1290600" y="1947600"/>
-            <a:ext cx="7919640" cy="937800"/>
+            <a:ext cx="7919280" cy="937440"/>
           </a:xfrm>
           <a:prstGeom prst="rect">
             <a:avLst/>
@@ -9674,7 +9716,7 @@
         <p:spPr>
           <a:xfrm>
             <a:off x="8229600" y="4705920"/>
-            <a:ext cx="1179000" cy="542880"/>
+            <a:ext cx="1178640" cy="542520"/>
           </a:xfrm>
           <a:prstGeom prst="rect">
             <a:avLst/>
@@ -9693,7 +9735,7 @@
         <p:spPr>
           <a:xfrm>
             <a:off x="1143000" y="4800600"/>
-            <a:ext cx="2742840" cy="285480"/>
+            <a:ext cx="2742480" cy="285120"/>
           </a:xfrm>
           <a:prstGeom prst="rect">
             <a:avLst/>
@@ -9765,7 +9807,7 @@
         <p:spPr>
           <a:xfrm>
             <a:off x="2743200" y="2669760"/>
-            <a:ext cx="4726440" cy="345960"/>
+            <a:ext cx="4726080" cy="345600"/>
           </a:xfrm>
           <a:prstGeom prst="rect">
             <a:avLst/>
@@ -9794,7 +9836,11 @@
             </a:pPr>
             <a:r>
               <a:rPr b="0" lang="en-US" sz="1800" spc="-1" strike="noStrike">
-                <a:latin typeface="Arial"/>
+                <a:solidFill>
+                  <a:srgbClr val="000000"/>
+                </a:solidFill>
+                <a:latin typeface="Arial"/>
+                <a:ea typeface="DejaVu Sans"/>
               </a:rPr>
               <a:t>(memimpin dengan pujian dan penghargaan)</a:t>
             </a:r>
@@ -9965,7 +10011,7 @@
         <p:spPr>
           <a:xfrm>
             <a:off x="8229600" y="4705920"/>
-            <a:ext cx="1179000" cy="542880"/>
+            <a:ext cx="1178640" cy="542520"/>
           </a:xfrm>
           <a:prstGeom prst="rect">
             <a:avLst/>
@@ -9984,7 +10030,7 @@
         <p:spPr>
           <a:xfrm>
             <a:off x="1143000" y="4800600"/>
-            <a:ext cx="2741760" cy="285480"/>
+            <a:ext cx="2741400" cy="285120"/>
           </a:xfrm>
           <a:prstGeom prst="rect">
             <a:avLst/>
@@ -10056,7 +10102,7 @@
         <p:spPr>
           <a:xfrm>
             <a:off x="2018520" y="1939680"/>
-            <a:ext cx="6439320" cy="345960"/>
+            <a:ext cx="6438960" cy="345600"/>
           </a:xfrm>
           <a:prstGeom prst="rect">
             <a:avLst/>
@@ -10085,6 +10131,9 @@
             </a:pPr>
             <a:r>
               <a:rPr b="0" lang="en-US" sz="1800" spc="-1" strike="noStrike">
+                <a:solidFill>
+                  <a:srgbClr val="000000"/>
+                </a:solidFill>
                 <a:latin typeface="Arial"/>
                 <a:ea typeface="Noto Sans CJK SC"/>
               </a:rPr>
@@ -10105,7 +10154,7 @@
         <p:spPr>
           <a:xfrm>
             <a:off x="2057400" y="2854080"/>
-            <a:ext cx="6300720" cy="345960"/>
+            <a:ext cx="6300360" cy="345600"/>
           </a:xfrm>
           <a:prstGeom prst="rect">
             <a:avLst/>
@@ -10134,6 +10183,9 @@
             </a:pPr>
             <a:r>
               <a:rPr b="0" lang="en-US" sz="1800" spc="-1" strike="noStrike">
+                <a:solidFill>
+                  <a:srgbClr val="000000"/>
+                </a:solidFill>
                 <a:latin typeface="Arial"/>
                 <a:ea typeface="Noto Sans CJK SC"/>
               </a:rPr>
@@ -10316,7 +10368,7 @@
         <p:spPr>
           <a:xfrm>
             <a:off x="8229600" y="4705920"/>
-            <a:ext cx="1179000" cy="542880"/>
+            <a:ext cx="1178640" cy="542520"/>
           </a:xfrm>
           <a:prstGeom prst="rect">
             <a:avLst/>
@@ -10335,7 +10387,7 @@
         <p:spPr>
           <a:xfrm>
             <a:off x="1143000" y="4800600"/>
-            <a:ext cx="2741760" cy="285480"/>
+            <a:ext cx="2741400" cy="285120"/>
           </a:xfrm>
           <a:prstGeom prst="rect">
             <a:avLst/>
@@ -10407,7 +10459,7 @@
         <p:spPr>
           <a:xfrm>
             <a:off x="2142000" y="1939680"/>
-            <a:ext cx="6315840" cy="345960"/>
+            <a:ext cx="6315480" cy="345600"/>
           </a:xfrm>
           <a:prstGeom prst="rect">
             <a:avLst/>
@@ -10436,6 +10488,9 @@
             </a:pPr>
             <a:r>
               <a:rPr b="0" lang="en-US" sz="1800" spc="-1" strike="noStrike">
+                <a:solidFill>
+                  <a:srgbClr val="000000"/>
+                </a:solidFill>
                 <a:latin typeface="Arial"/>
                 <a:ea typeface="Noto Sans CJK SC"/>
               </a:rPr>
@@ -10456,7 +10511,7 @@
         <p:spPr>
           <a:xfrm>
             <a:off x="2057400" y="2971800"/>
-            <a:ext cx="6070680" cy="767160"/>
+            <a:ext cx="6070320" cy="766800"/>
           </a:xfrm>
           <a:prstGeom prst="rect">
             <a:avLst/>
@@ -10485,6 +10540,9 @@
             </a:pPr>
             <a:r>
               <a:rPr b="0" lang="en-US" sz="1600" spc="-1" strike="noStrike">
+                <a:solidFill>
+                  <a:srgbClr val="000000"/>
+                </a:solidFill>
                 <a:latin typeface="Arial"/>
                 <a:ea typeface="Noto Sans CJK SC"/>
               </a:rPr>
@@ -10503,6 +10561,9 @@
             </a:pPr>
             <a:r>
               <a:rPr b="0" lang="en-US" sz="1600" spc="-1" strike="noStrike">
+                <a:solidFill>
+                  <a:srgbClr val="000000"/>
+                </a:solidFill>
                 <a:latin typeface="Arial"/>
                 <a:ea typeface="Noto Sans CJK SC"/>
               </a:rPr>
@@ -10521,6 +10582,9 @@
             </a:pPr>
             <a:r>
               <a:rPr b="0" lang="en-US" sz="1600" spc="-1" strike="noStrike">
+                <a:solidFill>
+                  <a:srgbClr val="000000"/>
+                </a:solidFill>
                 <a:latin typeface="Arial"/>
                 <a:ea typeface="Noto Sans CJK SC"/>
               </a:rPr>
@@ -10801,7 +10865,7 @@
         <p:spPr>
           <a:xfrm>
             <a:off x="3515400" y="2132640"/>
-            <a:ext cx="2656440" cy="1228680"/>
+            <a:ext cx="2656080" cy="1228320"/>
           </a:xfrm>
           <a:prstGeom prst="rect">
             <a:avLst/>
@@ -10850,7 +10914,7 @@
         <p:spPr>
           <a:xfrm>
             <a:off x="1179000" y="1746000"/>
-            <a:ext cx="7919640" cy="937800"/>
+            <a:ext cx="7919280" cy="937440"/>
           </a:xfrm>
           <a:prstGeom prst="rect">
             <a:avLst/>
@@ -10906,7 +10970,7 @@
         <p:spPr>
           <a:xfrm>
             <a:off x="8229600" y="4705920"/>
-            <a:ext cx="1179000" cy="542880"/>
+            <a:ext cx="1178640" cy="542520"/>
           </a:xfrm>
           <a:prstGeom prst="rect">
             <a:avLst/>
@@ -10925,7 +10989,7 @@
         <p:spPr>
           <a:xfrm>
             <a:off x="1143000" y="4800600"/>
-            <a:ext cx="2742840" cy="285480"/>
+            <a:ext cx="2742480" cy="285120"/>
           </a:xfrm>
           <a:prstGeom prst="rect">
             <a:avLst/>
@@ -10997,7 +11061,7 @@
         <p:spPr>
           <a:xfrm>
             <a:off x="2881800" y="2467800"/>
-            <a:ext cx="4551120" cy="345960"/>
+            <a:ext cx="4550760" cy="345600"/>
           </a:xfrm>
           <a:prstGeom prst="rect">
             <a:avLst/>
@@ -11026,7 +11090,11 @@
             </a:pPr>
             <a:r>
               <a:rPr b="0" lang="en-US" sz="1800" spc="-1" strike="noStrike">
-                <a:latin typeface="Arial"/>
+                <a:solidFill>
+                  <a:srgbClr val="000000"/>
+                </a:solidFill>
+                <a:latin typeface="Arial"/>
+                <a:ea typeface="DejaVu Sans"/>
               </a:rPr>
               <a:t>(memimpin dengan kecerdasan emosional)</a:t>
             </a:r>
@@ -11193,7 +11261,7 @@
         <p:spPr>
           <a:xfrm>
             <a:off x="1143000" y="2286000"/>
-            <a:ext cx="7919640" cy="937800"/>
+            <a:ext cx="7919280" cy="937440"/>
           </a:xfrm>
           <a:prstGeom prst="rect">
             <a:avLst/>
@@ -11223,7 +11291,7 @@
         <p:spPr>
           <a:xfrm>
             <a:off x="8229600" y="4705920"/>
-            <a:ext cx="1179000" cy="542880"/>
+            <a:ext cx="1178640" cy="542520"/>
           </a:xfrm>
           <a:prstGeom prst="rect">
             <a:avLst/>
@@ -11242,7 +11310,7 @@
         <p:spPr>
           <a:xfrm>
             <a:off x="1143000" y="4797000"/>
-            <a:ext cx="2742840" cy="285480"/>
+            <a:ext cx="2742480" cy="285120"/>
           </a:xfrm>
           <a:prstGeom prst="rect">
             <a:avLst/>
@@ -11314,7 +11382,7 @@
         <p:spPr>
           <a:xfrm>
             <a:off x="1600200" y="1459080"/>
-            <a:ext cx="7138800" cy="345960"/>
+            <a:ext cx="7138440" cy="345600"/>
           </a:xfrm>
           <a:prstGeom prst="rect">
             <a:avLst/>
@@ -11343,6 +11411,9 @@
             </a:pPr>
             <a:r>
               <a:rPr b="0" lang="en-US" sz="1800" spc="-1" strike="noStrike">
+                <a:solidFill>
+                  <a:srgbClr val="000000"/>
+                </a:solidFill>
                 <a:latin typeface="Arial"/>
                 <a:ea typeface="Noto Sans CJK SC"/>
               </a:rPr>
@@ -11363,7 +11434,7 @@
         <p:spPr>
           <a:xfrm>
             <a:off x="1352160" y="2241720"/>
-            <a:ext cx="2341080" cy="601920"/>
+            <a:ext cx="2340720" cy="601560"/>
           </a:xfrm>
           <a:prstGeom prst="rect">
             <a:avLst/>
@@ -11392,12 +11463,19 @@
             </a:pPr>
             <a:r>
               <a:rPr b="0" lang="en-US" sz="1800" spc="-1" strike="noStrike">
-                <a:latin typeface="Arial"/>
+                <a:solidFill>
+                  <a:srgbClr val="000000"/>
+                </a:solidFill>
+                <a:latin typeface="Arial"/>
+                <a:ea typeface="DejaVu Sans"/>
               </a:rPr>
               <a:t>- </a:t>
             </a:r>
             <a:r>
               <a:rPr b="0" lang="en-US" sz="1800" spc="-1" strike="noStrike">
+                <a:solidFill>
+                  <a:srgbClr val="000000"/>
+                </a:solidFill>
                 <a:latin typeface="Arial"/>
                 <a:ea typeface="Noto Sans CJK SC"/>
               </a:rPr>
@@ -11418,7 +11496,7 @@
         <p:spPr>
           <a:xfrm>
             <a:off x="1352160" y="2625840"/>
-            <a:ext cx="2082240" cy="345960"/>
+            <a:ext cx="2081880" cy="345600"/>
           </a:xfrm>
           <a:prstGeom prst="rect">
             <a:avLst/>
@@ -11447,12 +11525,19 @@
             </a:pPr>
             <a:r>
               <a:rPr b="0" lang="en-US" sz="1800" spc="-1" strike="noStrike">
-                <a:latin typeface="Arial"/>
+                <a:solidFill>
+                  <a:srgbClr val="000000"/>
+                </a:solidFill>
+                <a:latin typeface="Arial"/>
+                <a:ea typeface="DejaVu Sans"/>
               </a:rPr>
               <a:t>- </a:t>
             </a:r>
             <a:r>
               <a:rPr b="0" lang="en-US" sz="1800" spc="-1" strike="noStrike">
+                <a:solidFill>
+                  <a:srgbClr val="000000"/>
+                </a:solidFill>
                 <a:latin typeface="Arial"/>
                 <a:ea typeface="Noto Sans CJK SC"/>
               </a:rPr>
@@ -11473,7 +11558,7 @@
         <p:spPr>
           <a:xfrm>
             <a:off x="1523880" y="3405600"/>
-            <a:ext cx="6907320" cy="601920"/>
+            <a:ext cx="6906960" cy="601560"/>
           </a:xfrm>
           <a:prstGeom prst="rect">
             <a:avLst/>
@@ -11502,7 +11587,11 @@
             </a:pPr>
             <a:r>
               <a:rPr b="0" lang="en-US" sz="1800" spc="-1" strike="noStrike">
-                <a:latin typeface="Arial"/>
+                <a:solidFill>
+                  <a:srgbClr val="000000"/>
+                </a:solidFill>
+                <a:latin typeface="Arial"/>
+                <a:ea typeface="DejaVu Sans"/>
               </a:rPr>
               <a:t>Dapat dipelajari di usia berapa pun, tidak hanya sebagai pemimpin</a:t>
             </a:r>
@@ -11519,7 +11608,11 @@
             </a:pPr>
             <a:r>
               <a:rPr b="0" lang="en-US" sz="1800" spc="-1" strike="noStrike">
-                <a:latin typeface="Arial"/>
+                <a:solidFill>
+                  <a:srgbClr val="000000"/>
+                </a:solidFill>
+                <a:latin typeface="Arial"/>
+                <a:ea typeface="DejaVu Sans"/>
               </a:rPr>
               <a:t>tapi juga sebagai manusia.</a:t>
             </a:r>
@@ -11847,7 +11940,7 @@
         <p:spPr>
           <a:xfrm>
             <a:off x="3515400" y="2132640"/>
-            <a:ext cx="2656440" cy="1228680"/>
+            <a:ext cx="2656080" cy="1228320"/>
           </a:xfrm>
           <a:prstGeom prst="rect">
             <a:avLst/>
@@ -11896,7 +11989,7 @@
         <p:spPr>
           <a:xfrm>
             <a:off x="1308600" y="1684440"/>
-            <a:ext cx="7919640" cy="937800"/>
+            <a:ext cx="7919280" cy="937440"/>
           </a:xfrm>
           <a:prstGeom prst="rect">
             <a:avLst/>
@@ -11973,7 +12066,7 @@
         <p:spPr>
           <a:xfrm>
             <a:off x="8229600" y="4705920"/>
-            <a:ext cx="1179000" cy="542880"/>
+            <a:ext cx="1178640" cy="542520"/>
           </a:xfrm>
           <a:prstGeom prst="rect">
             <a:avLst/>
@@ -11992,7 +12085,7 @@
         <p:spPr>
           <a:xfrm>
             <a:off x="1143000" y="4753440"/>
-            <a:ext cx="2742840" cy="285480"/>
+            <a:ext cx="2742480" cy="285120"/>
           </a:xfrm>
           <a:prstGeom prst="rect">
             <a:avLst/>
@@ -12064,7 +12157,7 @@
         <p:spPr>
           <a:xfrm>
             <a:off x="2904120" y="2670120"/>
-            <a:ext cx="4880520" cy="601920"/>
+            <a:ext cx="4880160" cy="601560"/>
           </a:xfrm>
           <a:prstGeom prst="rect">
             <a:avLst/>
@@ -12093,7 +12186,11 @@
             </a:pPr>
             <a:r>
               <a:rPr b="0" lang="en-US" sz="1800" spc="-1" strike="noStrike">
-                <a:latin typeface="Arial"/>
+                <a:solidFill>
+                  <a:srgbClr val="000000"/>
+                </a:solidFill>
+                <a:latin typeface="Arial"/>
+                <a:ea typeface="DejaVu Sans"/>
               </a:rPr>
               <a:t>(memimpin dengan pelatihan, pembinaan, dan</a:t>
             </a:r>
@@ -12110,7 +12207,11 @@
             </a:pPr>
             <a:r>
               <a:rPr b="0" lang="en-US" sz="1800" spc="-1" strike="noStrike">
-                <a:latin typeface="Arial"/>
+                <a:solidFill>
+                  <a:srgbClr val="000000"/>
+                </a:solidFill>
+                <a:latin typeface="Arial"/>
+                <a:ea typeface="DejaVu Sans"/>
               </a:rPr>
               <a:t>pendampingan)</a:t>
             </a:r>
@@ -12277,7 +12378,7 @@
         <p:spPr>
           <a:xfrm>
             <a:off x="529560" y="457200"/>
-            <a:ext cx="7919640" cy="937800"/>
+            <a:ext cx="7919280" cy="937440"/>
           </a:xfrm>
           <a:prstGeom prst="rect">
             <a:avLst/>
@@ -12333,7 +12434,7 @@
         <p:spPr>
           <a:xfrm>
             <a:off x="8229600" y="4705920"/>
-            <a:ext cx="1179000" cy="542880"/>
+            <a:ext cx="1178640" cy="542520"/>
           </a:xfrm>
           <a:prstGeom prst="rect">
             <a:avLst/>
@@ -12352,7 +12453,7 @@
         <p:spPr>
           <a:xfrm>
             <a:off x="1335600" y="1573200"/>
-            <a:ext cx="3142080" cy="2630160"/>
+            <a:ext cx="3141720" cy="2629800"/>
           </a:xfrm>
           <a:prstGeom prst="rect">
             <a:avLst/>
@@ -12550,7 +12651,7 @@
         <p:spPr>
           <a:xfrm>
             <a:off x="1027800" y="4967640"/>
-            <a:ext cx="2857320" cy="285480"/>
+            <a:ext cx="2856960" cy="285120"/>
           </a:xfrm>
           <a:prstGeom prst="rect">
             <a:avLst/>
@@ -12622,7 +12723,7 @@
         <p:spPr>
           <a:xfrm>
             <a:off x="4389120" y="1756800"/>
-            <a:ext cx="4752000" cy="1107360"/>
+            <a:ext cx="4751640" cy="1107000"/>
           </a:xfrm>
           <a:prstGeom prst="rect">
             <a:avLst/>
@@ -13110,7 +13211,7 @@
         <p:spPr>
           <a:xfrm>
             <a:off x="8229600" y="4705920"/>
-            <a:ext cx="1179000" cy="542880"/>
+            <a:ext cx="1178640" cy="542520"/>
           </a:xfrm>
           <a:prstGeom prst="rect">
             <a:avLst/>
@@ -13129,7 +13230,7 @@
         <p:spPr>
           <a:xfrm>
             <a:off x="1143000" y="5013360"/>
-            <a:ext cx="2971440" cy="285480"/>
+            <a:ext cx="2971080" cy="285120"/>
           </a:xfrm>
           <a:prstGeom prst="rect">
             <a:avLst/>
@@ -13201,7 +13302,7 @@
         <p:spPr>
           <a:xfrm>
             <a:off x="2057400" y="1482480"/>
-            <a:ext cx="4842360" cy="345960"/>
+            <a:ext cx="4842000" cy="345600"/>
           </a:xfrm>
           <a:prstGeom prst="rect">
             <a:avLst/>
@@ -13230,6 +13331,9 @@
             </a:pPr>
             <a:r>
               <a:rPr b="0" lang="en-US" sz="1800" spc="-1" strike="noStrike">
+                <a:solidFill>
+                  <a:srgbClr val="000000"/>
+                </a:solidFill>
                 <a:latin typeface="Arial"/>
                 <a:ea typeface="Noto Sans CJK SC"/>
               </a:rPr>
@@ -13250,7 +13354,7 @@
         <p:spPr>
           <a:xfrm>
             <a:off x="1706040" y="2514600"/>
-            <a:ext cx="3322800" cy="1113840"/>
+            <a:ext cx="3322440" cy="1113480"/>
           </a:xfrm>
           <a:prstGeom prst="rect">
             <a:avLst/>
@@ -13279,7 +13383,11 @@
             </a:pPr>
             <a:r>
               <a:rPr b="0" lang="en-US" sz="1800" spc="-1" strike="noStrike">
-                <a:latin typeface="Arial"/>
+                <a:solidFill>
+                  <a:srgbClr val="000000"/>
+                </a:solidFill>
+                <a:latin typeface="Arial"/>
+                <a:ea typeface="DejaVu Sans"/>
               </a:rPr>
               <a:t>- ajarkan skill baru</a:t>
             </a:r>
@@ -13296,7 +13404,11 @@
             </a:pPr>
             <a:r>
               <a:rPr b="0" lang="en-US" sz="1800" spc="-1" strike="noStrike">
-                <a:latin typeface="Arial"/>
+                <a:solidFill>
+                  <a:srgbClr val="000000"/>
+                </a:solidFill>
+                <a:latin typeface="Arial"/>
+                <a:ea typeface="DejaVu Sans"/>
               </a:rPr>
               <a:t>- membantu mencapai tujuan</a:t>
             </a:r>
@@ -13313,7 +13425,11 @@
             </a:pPr>
             <a:r>
               <a:rPr b="0" lang="en-US" sz="1800" spc="-1" strike="noStrike">
-                <a:latin typeface="Arial"/>
+                <a:solidFill>
+                  <a:srgbClr val="000000"/>
+                </a:solidFill>
+                <a:latin typeface="Arial"/>
+                <a:ea typeface="DejaVu Sans"/>
               </a:rPr>
               <a:t>- memecahkan masalah</a:t>
             </a:r>
@@ -13330,7 +13446,11 @@
             </a:pPr>
             <a:r>
               <a:rPr b="0" lang="en-US" sz="1800" spc="-1" strike="noStrike">
-                <a:latin typeface="Arial"/>
+                <a:solidFill>
+                  <a:srgbClr val="000000"/>
+                </a:solidFill>
+                <a:latin typeface="Arial"/>
+                <a:ea typeface="DejaVu Sans"/>
               </a:rPr>
               <a:t>- membimbing dan mendukung</a:t>
             </a:r>
@@ -13383,7 +13503,7 @@
         <p:spPr>
           <a:xfrm>
             <a:off x="3515400" y="2132640"/>
-            <a:ext cx="2656440" cy="1228680"/>
+            <a:ext cx="2656080" cy="1228320"/>
           </a:xfrm>
           <a:prstGeom prst="rect">
             <a:avLst/>
@@ -13432,7 +13552,7 @@
         <p:spPr>
           <a:xfrm>
             <a:off x="1371600" y="1828800"/>
-            <a:ext cx="7919640" cy="937800"/>
+            <a:ext cx="7919280" cy="937440"/>
           </a:xfrm>
           <a:prstGeom prst="rect">
             <a:avLst/>
@@ -13488,7 +13608,7 @@
         <p:spPr>
           <a:xfrm>
             <a:off x="8229600" y="4572000"/>
-            <a:ext cx="1179000" cy="542880"/>
+            <a:ext cx="1178640" cy="542520"/>
           </a:xfrm>
           <a:prstGeom prst="rect">
             <a:avLst/>
@@ -13507,7 +13627,7 @@
         <p:spPr>
           <a:xfrm>
             <a:off x="1143000" y="4739040"/>
-            <a:ext cx="2853720" cy="285480"/>
+            <a:ext cx="2853360" cy="285120"/>
           </a:xfrm>
           <a:prstGeom prst="rect">
             <a:avLst/>
@@ -13579,7 +13699,7 @@
         <p:spPr>
           <a:xfrm>
             <a:off x="3789000" y="2548440"/>
-            <a:ext cx="3106440" cy="345960"/>
+            <a:ext cx="3106080" cy="345600"/>
           </a:xfrm>
           <a:prstGeom prst="rect">
             <a:avLst/>
@@ -13608,7 +13728,11 @@
             </a:pPr>
             <a:r>
               <a:rPr b="0" lang="en-US" sz="1800" spc="-1" strike="noStrike">
-                <a:latin typeface="Arial"/>
+                <a:solidFill>
+                  <a:srgbClr val="000000"/>
+                </a:solidFill>
+                <a:latin typeface="Arial"/>
+                <a:ea typeface="DejaVu Sans"/>
               </a:rPr>
               <a:t>(memimpin dengan inspirasi)</a:t>
             </a:r>
@@ -13752,7 +13876,7 @@
         <p:spPr>
           <a:xfrm>
             <a:off x="8229600" y="4705920"/>
-            <a:ext cx="1179000" cy="542880"/>
+            <a:ext cx="1178640" cy="542520"/>
           </a:xfrm>
           <a:prstGeom prst="rect">
             <a:avLst/>
@@ -13771,7 +13895,7 @@
         <p:spPr>
           <a:xfrm>
             <a:off x="1270080" y="4836600"/>
-            <a:ext cx="2844360" cy="285480"/>
+            <a:ext cx="2844000" cy="285120"/>
           </a:xfrm>
           <a:prstGeom prst="rect">
             <a:avLst/>
@@ -13843,7 +13967,7 @@
         <p:spPr>
           <a:xfrm>
             <a:off x="2286000" y="2286000"/>
-            <a:ext cx="3162960" cy="1027440"/>
+            <a:ext cx="3162600" cy="1027080"/>
           </a:xfrm>
           <a:prstGeom prst="rect">
             <a:avLst/>
@@ -13872,7 +13996,11 @@
             </a:pPr>
             <a:r>
               <a:rPr b="0" lang="en-US" sz="2200" spc="-1" strike="noStrike">
-                <a:latin typeface="Arial"/>
+                <a:solidFill>
+                  <a:srgbClr val="000000"/>
+                </a:solidFill>
+                <a:latin typeface="Arial"/>
+                <a:ea typeface="DejaVu Sans"/>
               </a:rPr>
               <a:t>- transparan</a:t>
             </a:r>
@@ -13889,7 +14017,11 @@
             </a:pPr>
             <a:r>
               <a:rPr b="0" lang="en-US" sz="2200" spc="-1" strike="noStrike">
-                <a:latin typeface="Arial"/>
+                <a:solidFill>
+                  <a:srgbClr val="000000"/>
+                </a:solidFill>
+                <a:latin typeface="Arial"/>
+                <a:ea typeface="DejaVu Sans"/>
               </a:rPr>
               <a:t>- menyalakan semangat</a:t>
             </a:r>
@@ -13906,7 +14038,11 @@
             </a:pPr>
             <a:r>
               <a:rPr b="0" lang="en-US" sz="2200" spc="-1" strike="noStrike">
-                <a:latin typeface="Arial"/>
+                <a:solidFill>
+                  <a:srgbClr val="000000"/>
+                </a:solidFill>
+                <a:latin typeface="Arial"/>
+                <a:ea typeface="DejaVu Sans"/>
               </a:rPr>
               <a:t>- berintegritas</a:t>
             </a:r>
@@ -13959,7 +14095,7 @@
         <p:spPr>
           <a:xfrm>
             <a:off x="3515400" y="2132640"/>
-            <a:ext cx="2656440" cy="1228680"/>
+            <a:ext cx="2656080" cy="1228320"/>
           </a:xfrm>
           <a:prstGeom prst="rect">
             <a:avLst/>
@@ -14008,7 +14144,7 @@
         <p:spPr>
           <a:xfrm>
             <a:off x="1143000" y="2286000"/>
-            <a:ext cx="7919640" cy="937800"/>
+            <a:ext cx="7919280" cy="937440"/>
           </a:xfrm>
           <a:prstGeom prst="rect">
             <a:avLst/>
@@ -14085,7 +14221,7 @@
         <p:spPr>
           <a:xfrm>
             <a:off x="8229600" y="4705920"/>
-            <a:ext cx="1179000" cy="542880"/>
+            <a:ext cx="1178640" cy="542520"/>
           </a:xfrm>
           <a:prstGeom prst="rect">
             <a:avLst/>
@@ -14104,7 +14240,7 @@
         <p:spPr>
           <a:xfrm>
             <a:off x="1027800" y="4967640"/>
-            <a:ext cx="2858040" cy="285480"/>
+            <a:ext cx="2857680" cy="285120"/>
           </a:xfrm>
           <a:prstGeom prst="rect">
             <a:avLst/>
@@ -14340,7 +14476,7 @@
         <p:spPr>
           <a:xfrm>
             <a:off x="1143000" y="2286000"/>
-            <a:ext cx="7919640" cy="937800"/>
+            <a:ext cx="7919280" cy="937440"/>
           </a:xfrm>
           <a:prstGeom prst="rect">
             <a:avLst/>
@@ -14370,7 +14506,7 @@
         <p:spPr>
           <a:xfrm>
             <a:off x="8229600" y="4705920"/>
-            <a:ext cx="1179000" cy="542880"/>
+            <a:ext cx="1178640" cy="542520"/>
           </a:xfrm>
           <a:prstGeom prst="rect">
             <a:avLst/>
@@ -14393,7 +14529,7 @@
         <p:spPr>
           <a:xfrm>
             <a:off x="685800" y="1828800"/>
-            <a:ext cx="3492720" cy="2052720"/>
+            <a:ext cx="3492360" cy="2052360"/>
           </a:xfrm>
           <a:prstGeom prst="rect">
             <a:avLst/>
@@ -14412,7 +14548,7 @@
         <p:spPr>
           <a:xfrm>
             <a:off x="4572000" y="685800"/>
-            <a:ext cx="2241720" cy="448200"/>
+            <a:ext cx="2241360" cy="447840"/>
           </a:xfrm>
           <a:custGeom>
             <a:avLst/>
@@ -14566,7 +14702,7 @@
         <p:spPr>
           <a:xfrm>
             <a:off x="6858000" y="1151640"/>
-            <a:ext cx="2241720" cy="448200"/>
+            <a:ext cx="2241360" cy="447840"/>
           </a:xfrm>
           <a:custGeom>
             <a:avLst/>
@@ -14720,7 +14856,7 @@
         <p:spPr>
           <a:xfrm>
             <a:off x="4572000" y="1608840"/>
-            <a:ext cx="2241720" cy="448200"/>
+            <a:ext cx="2241360" cy="447840"/>
           </a:xfrm>
           <a:custGeom>
             <a:avLst/>
@@ -14874,7 +15010,7 @@
         <p:spPr>
           <a:xfrm>
             <a:off x="6858000" y="2066040"/>
-            <a:ext cx="2241720" cy="448200"/>
+            <a:ext cx="2241360" cy="447840"/>
           </a:xfrm>
           <a:custGeom>
             <a:avLst/>
@@ -15028,7 +15164,7 @@
         <p:spPr>
           <a:xfrm>
             <a:off x="4572000" y="2523240"/>
-            <a:ext cx="2241720" cy="448200"/>
+            <a:ext cx="2241360" cy="447840"/>
           </a:xfrm>
           <a:custGeom>
             <a:avLst/>
@@ -15182,7 +15318,7 @@
         <p:spPr>
           <a:xfrm>
             <a:off x="914400" y="4970160"/>
-            <a:ext cx="2971440" cy="285480"/>
+            <a:ext cx="2971080" cy="285120"/>
           </a:xfrm>
           <a:prstGeom prst="rect">
             <a:avLst/>
@@ -15254,7 +15390,7 @@
         <p:spPr>
           <a:xfrm>
             <a:off x="6901920" y="2980440"/>
-            <a:ext cx="2241720" cy="448200"/>
+            <a:ext cx="2241360" cy="447840"/>
           </a:xfrm>
           <a:custGeom>
             <a:avLst/>
@@ -15408,7 +15544,7 @@
         <p:spPr>
           <a:xfrm>
             <a:off x="4572000" y="3452760"/>
-            <a:ext cx="2241720" cy="448200"/>
+            <a:ext cx="2241360" cy="447840"/>
           </a:xfrm>
           <a:custGeom>
             <a:avLst/>
@@ -15562,7 +15698,7 @@
         <p:spPr>
           <a:xfrm>
             <a:off x="6901920" y="3894840"/>
-            <a:ext cx="2241720" cy="448200"/>
+            <a:ext cx="2241360" cy="447840"/>
           </a:xfrm>
           <a:custGeom>
             <a:avLst/>
@@ -15716,7 +15852,7 @@
         <p:spPr>
           <a:xfrm>
             <a:off x="4572000" y="4352040"/>
-            <a:ext cx="2241720" cy="448200"/>
+            <a:ext cx="2241360" cy="447840"/>
           </a:xfrm>
           <a:custGeom>
             <a:avLst/>
@@ -16252,7 +16388,7 @@
         <p:spPr>
           <a:xfrm>
             <a:off x="3515400" y="2132640"/>
-            <a:ext cx="2656440" cy="1228680"/>
+            <a:ext cx="2656080" cy="1228320"/>
           </a:xfrm>
           <a:prstGeom prst="rect">
             <a:avLst/>
@@ -16301,7 +16437,7 @@
         <p:spPr>
           <a:xfrm>
             <a:off x="1219680" y="2286000"/>
-            <a:ext cx="7919640" cy="937800"/>
+            <a:ext cx="7919280" cy="937440"/>
           </a:xfrm>
           <a:prstGeom prst="rect">
             <a:avLst/>
@@ -16357,7 +16493,7 @@
         <p:spPr>
           <a:xfrm>
             <a:off x="8229600" y="4705920"/>
-            <a:ext cx="1179000" cy="542880"/>
+            <a:ext cx="1178640" cy="542520"/>
           </a:xfrm>
           <a:prstGeom prst="rect">
             <a:avLst/>
@@ -16376,7 +16512,7 @@
         <p:spPr>
           <a:xfrm>
             <a:off x="1143000" y="4800600"/>
-            <a:ext cx="2742840" cy="285480"/>
+            <a:ext cx="2742480" cy="285120"/>
           </a:xfrm>
           <a:prstGeom prst="rect">
             <a:avLst/>
@@ -16573,7 +16709,7 @@
         <p:spPr>
           <a:xfrm>
             <a:off x="3515400" y="2132640"/>
-            <a:ext cx="2656440" cy="1228680"/>
+            <a:ext cx="2656080" cy="1228320"/>
           </a:xfrm>
           <a:prstGeom prst="rect">
             <a:avLst/>
@@ -16626,7 +16762,7 @@
         <p:spPr>
           <a:xfrm>
             <a:off x="3515400" y="2132640"/>
-            <a:ext cx="2656440" cy="1228680"/>
+            <a:ext cx="2656080" cy="1228320"/>
           </a:xfrm>
           <a:prstGeom prst="rect">
             <a:avLst/>
@@ -16675,7 +16811,7 @@
         <p:spPr>
           <a:xfrm>
             <a:off x="1143000" y="1828800"/>
-            <a:ext cx="7919640" cy="937800"/>
+            <a:ext cx="7919280" cy="937440"/>
           </a:xfrm>
           <a:prstGeom prst="rect">
             <a:avLst/>
@@ -16731,7 +16867,7 @@
         <p:spPr>
           <a:xfrm>
             <a:off x="8229600" y="4705920"/>
-            <a:ext cx="1179000" cy="542880"/>
+            <a:ext cx="1178640" cy="542520"/>
           </a:xfrm>
           <a:prstGeom prst="rect">
             <a:avLst/>
@@ -16750,7 +16886,7 @@
         <p:spPr>
           <a:xfrm>
             <a:off x="914400" y="4967640"/>
-            <a:ext cx="2970360" cy="285480"/>
+            <a:ext cx="2970000" cy="285120"/>
           </a:xfrm>
           <a:prstGeom prst="rect">
             <a:avLst/>
@@ -16822,7 +16958,7 @@
         <p:spPr>
           <a:xfrm>
             <a:off x="3164400" y="2589480"/>
-            <a:ext cx="3906720" cy="345960"/>
+            <a:ext cx="3906360" cy="345600"/>
           </a:xfrm>
           <a:prstGeom prst="rect">
             <a:avLst/>
@@ -16851,7 +16987,11 @@
             </a:pPr>
             <a:r>
               <a:rPr b="0" lang="en-US" sz="1800" spc="-1" strike="noStrike">
-                <a:latin typeface="Arial"/>
+                <a:solidFill>
+                  <a:srgbClr val="000000"/>
+                </a:solidFill>
+                <a:latin typeface="Arial"/>
+                <a:ea typeface="DejaVu Sans"/>
               </a:rPr>
               <a:t>(memimpin dengan memberi contoh)</a:t>
             </a:r>
@@ -16991,7 +17131,7 @@
         <p:spPr>
           <a:xfrm>
             <a:off x="4350960" y="1600200"/>
-            <a:ext cx="1591200" cy="676800"/>
+            <a:ext cx="1590840" cy="676440"/>
           </a:xfrm>
           <a:custGeom>
             <a:avLst/>
@@ -17145,7 +17285,7 @@
         <p:spPr>
           <a:xfrm>
             <a:off x="914400" y="4970880"/>
-            <a:ext cx="2970360" cy="285480"/>
+            <a:ext cx="2970000" cy="285120"/>
           </a:xfrm>
           <a:prstGeom prst="rect">
             <a:avLst/>
@@ -17217,7 +17357,7 @@
         <p:spPr>
           <a:xfrm>
             <a:off x="4386960" y="2971800"/>
-            <a:ext cx="1591200" cy="676800"/>
+            <a:ext cx="1590840" cy="676440"/>
           </a:xfrm>
           <a:custGeom>
             <a:avLst/>
@@ -17375,7 +17515,7 @@
         <p:spPr>
           <a:xfrm>
             <a:off x="8229960" y="4705920"/>
-            <a:ext cx="1179000" cy="542880"/>
+            <a:ext cx="1178640" cy="542520"/>
           </a:xfrm>
           <a:prstGeom prst="rect">
             <a:avLst/>
@@ -17548,7 +17688,7 @@
         <p:spPr>
           <a:xfrm>
             <a:off x="3515400" y="2132640"/>
-            <a:ext cx="2656440" cy="1228680"/>
+            <a:ext cx="2656080" cy="1228320"/>
           </a:xfrm>
           <a:prstGeom prst="rect">
             <a:avLst/>
@@ -17597,7 +17737,7 @@
         <p:spPr>
           <a:xfrm>
             <a:off x="1224000" y="1828800"/>
-            <a:ext cx="7919640" cy="937800"/>
+            <a:ext cx="7919280" cy="937440"/>
           </a:xfrm>
           <a:prstGeom prst="rect">
             <a:avLst/>
@@ -17653,7 +17793,7 @@
         <p:spPr>
           <a:xfrm>
             <a:off x="8229600" y="4705920"/>
-            <a:ext cx="1179000" cy="542880"/>
+            <a:ext cx="1178640" cy="542520"/>
           </a:xfrm>
           <a:prstGeom prst="rect">
             <a:avLst/>
@@ -17672,7 +17812,7 @@
         <p:spPr>
           <a:xfrm>
             <a:off x="1027800" y="4967640"/>
-            <a:ext cx="2856960" cy="285480"/>
+            <a:ext cx="2856600" cy="285120"/>
           </a:xfrm>
           <a:prstGeom prst="rect">
             <a:avLst/>
@@ -17744,7 +17884,7 @@
         <p:spPr>
           <a:xfrm>
             <a:off x="3295440" y="2550600"/>
-            <a:ext cx="3790800" cy="345960"/>
+            <a:ext cx="3790440" cy="345600"/>
           </a:xfrm>
           <a:prstGeom prst="rect">
             <a:avLst/>
@@ -17773,7 +17913,11 @@
             </a:pPr>
             <a:r>
               <a:rPr b="0" lang="en-US" sz="1800" spc="-1" strike="noStrike">
-                <a:latin typeface="Arial"/>
+                <a:solidFill>
+                  <a:srgbClr val="000000"/>
+                </a:solidFill>
+                <a:latin typeface="Arial"/>
+                <a:ea typeface="DejaVu Sans"/>
               </a:rPr>
               <a:t>(memimpin dengan mendengarkan)</a:t>
             </a:r>
@@ -17917,7 +18061,7 @@
         <p:spPr>
           <a:xfrm>
             <a:off x="8229600" y="4705920"/>
-            <a:ext cx="1179000" cy="542880"/>
+            <a:ext cx="1178640" cy="542520"/>
           </a:xfrm>
           <a:prstGeom prst="rect">
             <a:avLst/>
@@ -17936,7 +18080,7 @@
         <p:spPr>
           <a:xfrm>
             <a:off x="3566160" y="640080"/>
-            <a:ext cx="3191400" cy="448200"/>
+            <a:ext cx="3191040" cy="447840"/>
           </a:xfrm>
           <a:custGeom>
             <a:avLst/>
@@ -18111,7 +18255,7 @@
         <p:spPr>
           <a:xfrm>
             <a:off x="3566160" y="1280160"/>
-            <a:ext cx="3191400" cy="448200"/>
+            <a:ext cx="3191040" cy="447840"/>
           </a:xfrm>
           <a:custGeom>
             <a:avLst/>
@@ -18265,7 +18409,7 @@
         <p:spPr>
           <a:xfrm>
             <a:off x="3566160" y="3804480"/>
-            <a:ext cx="3191400" cy="448200"/>
+            <a:ext cx="3191040" cy="447840"/>
           </a:xfrm>
           <a:custGeom>
             <a:avLst/>
@@ -18419,7 +18563,7 @@
         <p:spPr>
           <a:xfrm>
             <a:off x="1040400" y="4980600"/>
-            <a:ext cx="2856960" cy="285480"/>
+            <a:ext cx="2856600" cy="285120"/>
           </a:xfrm>
           <a:prstGeom prst="rect">
             <a:avLst/>
@@ -18491,7 +18635,7 @@
         <p:spPr>
           <a:xfrm>
             <a:off x="2011680" y="2012760"/>
-            <a:ext cx="6332040" cy="1459440"/>
+            <a:ext cx="6331680" cy="1459080"/>
           </a:xfrm>
           <a:prstGeom prst="rect">
             <a:avLst/>
